--- a/Slides.pptx
+++ b/Slides.pptx
@@ -8,29 +8,18 @@
     <p:sldId id="256" r:id="rId2"/>
     <p:sldId id="261" r:id="rId3"/>
     <p:sldId id="262" r:id="rId4"/>
-    <p:sldId id="263" r:id="rId5"/>
-    <p:sldId id="264" r:id="rId6"/>
-    <p:sldId id="265" r:id="rId7"/>
-    <p:sldId id="266" r:id="rId8"/>
-    <p:sldId id="267" r:id="rId9"/>
-    <p:sldId id="268" r:id="rId10"/>
-    <p:sldId id="269" r:id="rId11"/>
-    <p:sldId id="270" r:id="rId12"/>
-    <p:sldId id="271" r:id="rId13"/>
-    <p:sldId id="272" r:id="rId14"/>
-    <p:sldId id="273" r:id="rId15"/>
-    <p:sldId id="274" r:id="rId16"/>
-    <p:sldId id="275" r:id="rId17"/>
-    <p:sldId id="276" r:id="rId18"/>
-    <p:sldId id="277" r:id="rId19"/>
-    <p:sldId id="278" r:id="rId20"/>
-    <p:sldId id="279" r:id="rId21"/>
-    <p:sldId id="280" r:id="rId22"/>
-    <p:sldId id="281" r:id="rId23"/>
-    <p:sldId id="282" r:id="rId24"/>
-    <p:sldId id="283" r:id="rId25"/>
-    <p:sldId id="284" r:id="rId26"/>
-    <p:sldId id="285" r:id="rId27"/>
+    <p:sldId id="286" r:id="rId5"/>
+    <p:sldId id="269" r:id="rId6"/>
+    <p:sldId id="270" r:id="rId7"/>
+    <p:sldId id="271" r:id="rId8"/>
+    <p:sldId id="273" r:id="rId9"/>
+    <p:sldId id="274" r:id="rId10"/>
+    <p:sldId id="275" r:id="rId11"/>
+    <p:sldId id="278" r:id="rId12"/>
+    <p:sldId id="281" r:id="rId13"/>
+    <p:sldId id="282" r:id="rId14"/>
+    <p:sldId id="284" r:id="rId15"/>
+    <p:sldId id="285" r:id="rId16"/>
   </p:sldIdLst>
   <p:sldSz cx="12192000" cy="6858000"/>
   <p:notesSz cx="6858000" cy="9144000"/>
@@ -3412,8 +3401,8 @@
         </p:nvSpPr>
         <p:spPr>
           <a:xfrm>
-            <a:off x="986118" y="1102408"/>
-            <a:ext cx="9809417" cy="707886"/>
+            <a:off x="986118" y="1045098"/>
+            <a:ext cx="4686219" cy="707886"/>
           </a:xfrm>
           <a:prstGeom prst="rect">
             <a:avLst/>
@@ -3435,66 +3424,64 @@
                 <a:ea typeface="+mj-ea"/>
                 <a:cs typeface="Arial" panose="020B0604020202020204" pitchFamily="34" charset="0"/>
               </a:rPr>
-              <a:t>Тест на производительность сервиса</a:t>
-            </a:r>
-          </a:p>
-        </p:txBody>
-      </p:sp>
-      <p:sp>
-        <p:nvSpPr>
-          <p:cNvPr id="5" name="TextBox 4">
+              <a:t>Ошибки </a:t>
+            </a:r>
+            <a:r>
+              <a:rPr lang="en-US" sz="4000" b="1" dirty="0">
+                <a:solidFill>
+                  <a:srgbClr val="009218"/>
+                </a:solidFill>
+                <a:latin typeface="Arial" panose="020B0604020202020204" pitchFamily="34" charset="0"/>
+                <a:ea typeface="+mj-ea"/>
+                <a:cs typeface="Arial" panose="020B0604020202020204" pitchFamily="34" charset="0"/>
+              </a:rPr>
+              <a:t>HTTP 429</a:t>
+            </a:r>
+            <a:endParaRPr lang="ru-RU" sz="4000" b="1" dirty="0">
+              <a:solidFill>
+                <a:srgbClr val="009218"/>
+              </a:solidFill>
+              <a:latin typeface="Arial" panose="020B0604020202020204" pitchFamily="34" charset="0"/>
+              <a:ea typeface="+mj-ea"/>
+              <a:cs typeface="Arial" panose="020B0604020202020204" pitchFamily="34" charset="0"/>
+            </a:endParaRPr>
+          </a:p>
+        </p:txBody>
+      </p:sp>
+      <p:pic>
+        <p:nvPicPr>
+          <p:cNvPr id="5" name="Picture 4">
             <a:extLst>
               <a:ext uri="{FF2B5EF4-FFF2-40B4-BE49-F238E27FC236}">
-                <a16:creationId xmlns:a16="http://schemas.microsoft.com/office/drawing/2014/main" id="{6C849D63-C8A5-3568-2426-02103EC2671B}"/>
+                <a16:creationId xmlns:a16="http://schemas.microsoft.com/office/drawing/2014/main" id="{6D5CC669-B181-68A0-69EC-29D0B9D085CB}"/>
               </a:ext>
             </a:extLst>
           </p:cNvPr>
-          <p:cNvSpPr txBox="1"/>
-          <p:nvPr/>
-        </p:nvSpPr>
-        <p:spPr>
-          <a:xfrm>
-            <a:off x="986118" y="1886654"/>
-            <a:ext cx="11138522" cy="4409797"/>
+          <p:cNvPicPr>
+            <a:picLocks noChangeAspect="1"/>
+          </p:cNvPicPr>
+          <p:nvPr/>
+        </p:nvPicPr>
+        <p:blipFill>
+          <a:blip r:embed="rId5"/>
+          <a:stretch>
+            <a:fillRect/>
+          </a:stretch>
+        </p:blipFill>
+        <p:spPr>
+          <a:xfrm>
+            <a:off x="433238" y="2471769"/>
+            <a:ext cx="11325523" cy="2633248"/>
           </a:xfrm>
           <a:prstGeom prst="rect">
             <a:avLst/>
           </a:prstGeom>
-          <a:noFill/>
-        </p:spPr>
-        <p:txBody>
-          <a:bodyPr wrap="square" rtlCol="0">
-            <a:spAutoFit/>
-          </a:bodyPr>
-          <a:lstStyle/>
-          <a:p>
-            <a:pPr>
-              <a:lnSpc>
-                <a:spcPct val="150000"/>
-              </a:lnSpc>
-            </a:pPr>
-            <a:r>
-              <a:rPr lang="ru-RU" sz="4800" dirty="0"/>
-              <a:t>Линейно увеличиваем количество отправляемых запросов. </a:t>
-            </a:r>
-          </a:p>
-          <a:p>
-            <a:pPr>
-              <a:lnSpc>
-                <a:spcPct val="150000"/>
-              </a:lnSpc>
-            </a:pPr>
-            <a:r>
-              <a:rPr lang="ru-RU" sz="4800" dirty="0"/>
-              <a:t>Проверяем, на каком значении произойдет деградация сервиса.</a:t>
-            </a:r>
-          </a:p>
-        </p:txBody>
-      </p:sp>
+        </p:spPr>
+      </p:pic>
     </p:spTree>
     <p:extLst>
       <p:ext uri="{BB962C8B-B14F-4D97-AF65-F5344CB8AC3E}">
-        <p14:creationId xmlns:p14="http://schemas.microsoft.com/office/powerpoint/2010/main" val="2510601469"/>
+        <p14:creationId xmlns:p14="http://schemas.microsoft.com/office/powerpoint/2010/main" val="492219516"/>
       </p:ext>
     </p:extLst>
   </p:cSld>
@@ -3666,8 +3653,8 @@
         </p:nvSpPr>
         <p:spPr>
           <a:xfrm>
-            <a:off x="986118" y="1102408"/>
-            <a:ext cx="4739887" cy="707886"/>
+            <a:off x="986118" y="1045098"/>
+            <a:ext cx="6709081" cy="1323439"/>
           </a:xfrm>
           <a:prstGeom prst="rect">
             <a:avLst/>
@@ -3689,10 +3676,12 @@
                 <a:ea typeface="+mj-ea"/>
                 <a:cs typeface="Arial" panose="020B0604020202020204" pitchFamily="34" charset="0"/>
               </a:rPr>
-              <a:t>Потребление </a:t>
-            </a:r>
-            <a:r>
-              <a:rPr lang="en-US" sz="4000" b="1" dirty="0">
+              <a:t>Тест на всплеск нагрузки </a:t>
+            </a:r>
+          </a:p>
+          <a:p>
+            <a:r>
+              <a:rPr lang="ru-RU" sz="4000" b="1" dirty="0">
                 <a:solidFill>
                   <a:srgbClr val="009218"/>
                 </a:solidFill>
@@ -3700,53 +3689,93 @@
                 <a:ea typeface="+mj-ea"/>
                 <a:cs typeface="Arial" panose="020B0604020202020204" pitchFamily="34" charset="0"/>
               </a:rPr>
-              <a:t>CPU</a:t>
-            </a:r>
-            <a:endParaRPr lang="ru-RU" sz="4000" b="1" dirty="0">
-              <a:solidFill>
-                <a:srgbClr val="009218"/>
-              </a:solidFill>
-              <a:latin typeface="Arial" panose="020B0604020202020204" pitchFamily="34" charset="0"/>
-              <a:ea typeface="+mj-ea"/>
-              <a:cs typeface="Arial" panose="020B0604020202020204" pitchFamily="34" charset="0"/>
-            </a:endParaRPr>
-          </a:p>
-        </p:txBody>
-      </p:sp>
-      <p:pic>
-        <p:nvPicPr>
-          <p:cNvPr id="2" name="Picture 1" descr="A white sheet with a red line&#10;&#10;AI-generated content may be incorrect.">
+              <a:t>с возвратом к норме</a:t>
+            </a:r>
+          </a:p>
+        </p:txBody>
+      </p:sp>
+      <p:sp>
+        <p:nvSpPr>
+          <p:cNvPr id="4" name="TextBox 3">
             <a:extLst>
               <a:ext uri="{FF2B5EF4-FFF2-40B4-BE49-F238E27FC236}">
-                <a16:creationId xmlns:a16="http://schemas.microsoft.com/office/drawing/2014/main" id="{B323E1E1-A759-0150-60E2-52CE701F45A8}"/>
+                <a16:creationId xmlns:a16="http://schemas.microsoft.com/office/drawing/2014/main" id="{6D1D4546-E5D3-134F-D2C8-F09C0EB938D7}"/>
               </a:ext>
             </a:extLst>
           </p:cNvPr>
-          <p:cNvPicPr>
-            <a:picLocks noChangeAspect="1"/>
-          </p:cNvPicPr>
-          <p:nvPr/>
-        </p:nvPicPr>
-        <p:blipFill>
-          <a:blip r:embed="rId5"/>
-          <a:stretch>
-            <a:fillRect/>
-          </a:stretch>
-        </p:blipFill>
-        <p:spPr>
-          <a:xfrm>
-            <a:off x="533978" y="1876343"/>
-            <a:ext cx="11124043" cy="4677925"/>
+          <p:cNvSpPr txBox="1"/>
+          <p:nvPr/>
+        </p:nvSpPr>
+        <p:spPr>
+          <a:xfrm>
+            <a:off x="986118" y="2583882"/>
+            <a:ext cx="11577709" cy="3359061"/>
           </a:xfrm>
           <a:prstGeom prst="rect">
             <a:avLst/>
           </a:prstGeom>
-        </p:spPr>
-      </p:pic>
+          <a:noFill/>
+        </p:spPr>
+        <p:txBody>
+          <a:bodyPr wrap="square" rtlCol="0">
+            <a:spAutoFit/>
+          </a:bodyPr>
+          <a:lstStyle/>
+          <a:p>
+            <a:pPr>
+              <a:lnSpc>
+                <a:spcPct val="150000"/>
+              </a:lnSpc>
+            </a:pPr>
+            <a:r>
+              <a:rPr lang="ru-RU" sz="2400" dirty="0"/>
+              <a:t>Проверяем, что механизм троттлинга справляется с нагрузкой, а реплика восстанавливает нормальную работу</a:t>
+            </a:r>
+          </a:p>
+          <a:p>
+            <a:pPr>
+              <a:lnSpc>
+                <a:spcPct val="150000"/>
+              </a:lnSpc>
+            </a:pPr>
+            <a:endParaRPr lang="ru-RU" sz="2400" dirty="0"/>
+          </a:p>
+          <a:p>
+            <a:pPr>
+              <a:lnSpc>
+                <a:spcPct val="150000"/>
+              </a:lnSpc>
+            </a:pPr>
+            <a:r>
+              <a:rPr lang="ru-RU" sz="2400" dirty="0"/>
+              <a:t>Троттлинг успешно отработал во время пика.</a:t>
+            </a:r>
+          </a:p>
+          <a:p>
+            <a:pPr>
+              <a:lnSpc>
+                <a:spcPct val="150000"/>
+              </a:lnSpc>
+            </a:pPr>
+            <a:r>
+              <a:rPr lang="ru-RU" sz="2400" dirty="0"/>
+              <a:t>Среднее время ответов на запросы вернулось к норме после нагрузки.</a:t>
+            </a:r>
+          </a:p>
+          <a:p>
+            <a:pPr>
+              <a:lnSpc>
+                <a:spcPct val="150000"/>
+              </a:lnSpc>
+            </a:pPr>
+            <a:endParaRPr lang="ru-RU" sz="2400" dirty="0"/>
+          </a:p>
+        </p:txBody>
+      </p:sp>
     </p:spTree>
     <p:extLst>
       <p:ext uri="{BB962C8B-B14F-4D97-AF65-F5344CB8AC3E}">
-        <p14:creationId xmlns:p14="http://schemas.microsoft.com/office/powerpoint/2010/main" val="3553141452"/>
+        <p14:creationId xmlns:p14="http://schemas.microsoft.com/office/powerpoint/2010/main" val="2925939643"/>
       </p:ext>
     </p:extLst>
   </p:cSld>
@@ -3918,8 +3947,8 @@
         </p:nvSpPr>
         <p:spPr>
           <a:xfrm>
-            <a:off x="986118" y="1102408"/>
-            <a:ext cx="7304307" cy="707886"/>
+            <a:off x="986118" y="1045098"/>
+            <a:ext cx="4686219" cy="707886"/>
           </a:xfrm>
           <a:prstGeom prst="rect">
             <a:avLst/>
@@ -3941,7 +3970,7 @@
                 <a:ea typeface="+mj-ea"/>
                 <a:cs typeface="Arial" panose="020B0604020202020204" pitchFamily="34" charset="0"/>
               </a:rPr>
-              <a:t>Среднее время ответа </a:t>
+              <a:t>Ошибки </a:t>
             </a:r>
             <a:r>
               <a:rPr lang="en-US" sz="4000" b="1" dirty="0">
@@ -3952,7 +3981,7 @@
                 <a:ea typeface="+mj-ea"/>
                 <a:cs typeface="Arial" panose="020B0604020202020204" pitchFamily="34" charset="0"/>
               </a:rPr>
-              <a:t>(P95)</a:t>
+              <a:t>HTTP 429</a:t>
             </a:r>
             <a:endParaRPr lang="ru-RU" sz="4000" b="1" dirty="0">
               <a:solidFill>
@@ -3967,10 +3996,10 @@
       </p:sp>
       <p:pic>
         <p:nvPicPr>
-          <p:cNvPr id="4" name="Picture 3" descr="A graph of a graph&#10;&#10;AI-generated content may be incorrect.">
+          <p:cNvPr id="5" name="Picture 4">
             <a:extLst>
               <a:ext uri="{FF2B5EF4-FFF2-40B4-BE49-F238E27FC236}">
-                <a16:creationId xmlns:a16="http://schemas.microsoft.com/office/drawing/2014/main" id="{D324F916-48B3-C6E9-AC84-658DA3AD740A}"/>
+                <a16:creationId xmlns:a16="http://schemas.microsoft.com/office/drawing/2014/main" id="{7A6B44D3-8B74-DDF6-1FA7-D123D7A5A49A}"/>
               </a:ext>
             </a:extLst>
           </p:cNvPr>
@@ -3987,8 +4016,8 @@
         </p:blipFill>
         <p:spPr>
           <a:xfrm>
-            <a:off x="409957" y="1894165"/>
-            <a:ext cx="11551521" cy="4540347"/>
+            <a:off x="196553" y="2469043"/>
+            <a:ext cx="11798894" cy="2759923"/>
           </a:xfrm>
           <a:prstGeom prst="rect">
             <a:avLst/>
@@ -3998,7 +4027,7 @@
     </p:spTree>
     <p:extLst>
       <p:ext uri="{BB962C8B-B14F-4D97-AF65-F5344CB8AC3E}">
-        <p14:creationId xmlns:p14="http://schemas.microsoft.com/office/powerpoint/2010/main" val="1976161335"/>
+        <p14:creationId xmlns:p14="http://schemas.microsoft.com/office/powerpoint/2010/main" val="1452243063"/>
       </p:ext>
     </p:extLst>
   </p:cSld>
@@ -4170,8 +4199,8 @@
         </p:nvSpPr>
         <p:spPr>
           <a:xfrm>
-            <a:off x="845971" y="1062189"/>
-            <a:ext cx="10866757" cy="707886"/>
+            <a:off x="986118" y="1045098"/>
+            <a:ext cx="7304307" cy="707886"/>
           </a:xfrm>
           <a:prstGeom prst="rect">
             <a:avLst/>
@@ -4193,66 +4222,64 @@
                 <a:ea typeface="+mj-ea"/>
                 <a:cs typeface="Arial" panose="020B0604020202020204" pitchFamily="34" charset="0"/>
               </a:rPr>
-              <a:t>Выводы из теста на производительность</a:t>
-            </a:r>
-          </a:p>
-        </p:txBody>
-      </p:sp>
-      <p:sp>
-        <p:nvSpPr>
-          <p:cNvPr id="2" name="TextBox 1">
+              <a:t>Среднее время ответа (</a:t>
+            </a:r>
+            <a:r>
+              <a:rPr lang="en-US" sz="4000" b="1" dirty="0">
+                <a:solidFill>
+                  <a:srgbClr val="009218"/>
+                </a:solidFill>
+                <a:latin typeface="Arial" panose="020B0604020202020204" pitchFamily="34" charset="0"/>
+                <a:ea typeface="+mj-ea"/>
+                <a:cs typeface="Arial" panose="020B0604020202020204" pitchFamily="34" charset="0"/>
+              </a:rPr>
+              <a:t>P95)</a:t>
+            </a:r>
+            <a:endParaRPr lang="ru-RU" sz="4000" b="1" dirty="0">
+              <a:solidFill>
+                <a:srgbClr val="009218"/>
+              </a:solidFill>
+              <a:latin typeface="Arial" panose="020B0604020202020204" pitchFamily="34" charset="0"/>
+              <a:ea typeface="+mj-ea"/>
+              <a:cs typeface="Arial" panose="020B0604020202020204" pitchFamily="34" charset="0"/>
+            </a:endParaRPr>
+          </a:p>
+        </p:txBody>
+      </p:sp>
+      <p:pic>
+        <p:nvPicPr>
+          <p:cNvPr id="5" name="Picture 4">
             <a:extLst>
               <a:ext uri="{FF2B5EF4-FFF2-40B4-BE49-F238E27FC236}">
-                <a16:creationId xmlns:a16="http://schemas.microsoft.com/office/drawing/2014/main" id="{04720E77-25EF-C994-F7D5-E6086DE72C3B}"/>
+                <a16:creationId xmlns:a16="http://schemas.microsoft.com/office/drawing/2014/main" id="{726AB8DA-1E01-4C52-06F9-D636D399EC87}"/>
               </a:ext>
             </a:extLst>
           </p:cNvPr>
-          <p:cNvSpPr txBox="1"/>
-          <p:nvPr/>
-        </p:nvSpPr>
-        <p:spPr>
-          <a:xfrm>
-            <a:off x="845971" y="2323634"/>
-            <a:ext cx="11577709" cy="3301801"/>
+          <p:cNvPicPr>
+            <a:picLocks noChangeAspect="1"/>
+          </p:cNvPicPr>
+          <p:nvPr/>
+        </p:nvPicPr>
+        <p:blipFill>
+          <a:blip r:embed="rId5"/>
+          <a:stretch>
+            <a:fillRect/>
+          </a:stretch>
+        </p:blipFill>
+        <p:spPr>
+          <a:xfrm>
+            <a:off x="531565" y="1752984"/>
+            <a:ext cx="11041016" cy="4677428"/>
           </a:xfrm>
           <a:prstGeom prst="rect">
             <a:avLst/>
           </a:prstGeom>
-          <a:noFill/>
-        </p:spPr>
-        <p:txBody>
-          <a:bodyPr wrap="square" rtlCol="0">
-            <a:spAutoFit/>
-          </a:bodyPr>
-          <a:lstStyle/>
-          <a:p>
-            <a:pPr>
-              <a:lnSpc>
-                <a:spcPct val="150000"/>
-              </a:lnSpc>
-            </a:pPr>
-            <a:r>
-              <a:rPr lang="ru-RU" sz="4800" dirty="0"/>
-              <a:t>Ухудшение произошло на отметке в 600 запросов в секунду.</a:t>
-            </a:r>
-          </a:p>
-          <a:p>
-            <a:pPr>
-              <a:lnSpc>
-                <a:spcPct val="150000"/>
-              </a:lnSpc>
-            </a:pPr>
-            <a:r>
-              <a:rPr lang="ru-RU" sz="4800" dirty="0"/>
-              <a:t>Расходуемый ресурс – процессорные ядра.</a:t>
-            </a:r>
-          </a:p>
-        </p:txBody>
-      </p:sp>
+        </p:spPr>
+      </p:pic>
     </p:spTree>
     <p:extLst>
       <p:ext uri="{BB962C8B-B14F-4D97-AF65-F5344CB8AC3E}">
-        <p14:creationId xmlns:p14="http://schemas.microsoft.com/office/powerpoint/2010/main" val="2998934812"/>
+        <p14:creationId xmlns:p14="http://schemas.microsoft.com/office/powerpoint/2010/main" val="2373072056"/>
       </p:ext>
     </p:extLst>
   </p:cSld>
@@ -4424,8 +4451,8 @@
         </p:nvSpPr>
         <p:spPr>
           <a:xfrm>
-            <a:off x="986118" y="1052404"/>
-            <a:ext cx="7734361" cy="707886"/>
+            <a:off x="986118" y="1045098"/>
+            <a:ext cx="3290837" cy="707886"/>
           </a:xfrm>
           <a:prstGeom prst="rect">
             <a:avLst/>
@@ -4447,17 +4474,17 @@
                 <a:ea typeface="+mj-ea"/>
                 <a:cs typeface="Arial" panose="020B0604020202020204" pitchFamily="34" charset="0"/>
               </a:rPr>
-              <a:t>Тест на настройку троттлинга</a:t>
-            </a:r>
-          </a:p>
-        </p:txBody>
-      </p:sp>
-      <p:sp>
-        <p:nvSpPr>
-          <p:cNvPr id="2" name="TextBox 1">
+              <a:t>Заключение</a:t>
+            </a:r>
+          </a:p>
+        </p:txBody>
+      </p:sp>
+      <p:sp>
+        <p:nvSpPr>
+          <p:cNvPr id="4" name="TextBox 3">
             <a:extLst>
               <a:ext uri="{FF2B5EF4-FFF2-40B4-BE49-F238E27FC236}">
-                <a16:creationId xmlns:a16="http://schemas.microsoft.com/office/drawing/2014/main" id="{04720E77-25EF-C994-F7D5-E6086DE72C3B}"/>
+                <a16:creationId xmlns:a16="http://schemas.microsoft.com/office/drawing/2014/main" id="{7FFE6902-2E26-D124-79AC-047C7DC9C5E6}"/>
               </a:ext>
             </a:extLst>
           </p:cNvPr>
@@ -4466,8 +4493,8 @@
         </p:nvSpPr>
         <p:spPr>
           <a:xfrm>
-            <a:off x="986118" y="2152718"/>
-            <a:ext cx="11778577" cy="4050019"/>
+            <a:off x="1051132" y="2019861"/>
+            <a:ext cx="10767701" cy="4549835"/>
           </a:xfrm>
           <a:prstGeom prst="rect">
             <a:avLst/>
@@ -4486,10 +4513,9 @@
               </a:lnSpc>
             </a:pPr>
             <a:r>
-              <a:rPr lang="ru-RU" sz="4400" dirty="0"/>
-              <a:t>Выставляем первое приближение настройки емкости.</a:t>
-            </a:r>
-            <a:endParaRPr lang="en-US" sz="4400" dirty="0"/>
+              <a:rPr lang="ru-RU" sz="2800" dirty="0"/>
+              <a:t>В результате работы:</a:t>
+            </a:r>
           </a:p>
           <a:p>
             <a:pPr>
@@ -4498,16 +4524,8 @@
               </a:lnSpc>
             </a:pPr>
             <a:r>
-              <a:rPr lang="ru-RU" sz="4400" dirty="0"/>
-              <a:t>Проверяем, как сервис справляется </a:t>
-            </a:r>
-            <a:r>
-              <a:rPr lang="en-US" sz="4400" dirty="0"/>
-              <a:t>c</a:t>
-            </a:r>
-            <a:r>
-              <a:rPr lang="ru-RU" sz="4400" dirty="0"/>
-              <a:t> </a:t>
+              <a:rPr lang="ru-RU" sz="2800" dirty="0"/>
+              <a:t>1. Определены критерии соответствия сервиса минимальным требованиям для нагрузочного тестирования</a:t>
             </a:r>
           </a:p>
           <a:p>
@@ -4517,8 +4535,19 @@
               </a:lnSpc>
             </a:pPr>
             <a:r>
-              <a:rPr lang="ru-RU" sz="4400" dirty="0"/>
-              <a:t>нагрузкой при настроенном троттлинге.</a:t>
+              <a:rPr lang="ru-RU" sz="2800" dirty="0"/>
+              <a:t>2. Определена методика тестирования на разных этапах жизненного цикла сервиса</a:t>
+            </a:r>
+          </a:p>
+          <a:p>
+            <a:pPr>
+              <a:lnSpc>
+                <a:spcPct val="150000"/>
+              </a:lnSpc>
+            </a:pPr>
+            <a:r>
+              <a:rPr lang="ru-RU" sz="2800" dirty="0"/>
+              <a:t>3. Проведено нагрузочное тестирование конкретного сервиса, проанализированы результаты</a:t>
             </a:r>
           </a:p>
         </p:txBody>
@@ -4526,7 +4555,7 @@
     </p:spTree>
     <p:extLst>
       <p:ext uri="{BB962C8B-B14F-4D97-AF65-F5344CB8AC3E}">
-        <p14:creationId xmlns:p14="http://schemas.microsoft.com/office/powerpoint/2010/main" val="2447111331"/>
+        <p14:creationId xmlns:p14="http://schemas.microsoft.com/office/powerpoint/2010/main" val="502037551"/>
       </p:ext>
     </p:extLst>
   </p:cSld>
@@ -4553,45 +4582,75 @@
           <a:chExt cx="0" cy="0"/>
         </a:xfrm>
       </p:grpSpPr>
+      <p:pic>
+        <p:nvPicPr>
+          <p:cNvPr id="26" name="Рисунок 25"/>
+          <p:cNvPicPr>
+            <a:picLocks noChangeAspect="1"/>
+          </p:cNvPicPr>
+          <p:nvPr/>
+        </p:nvPicPr>
+        <p:blipFill>
+          <a:blip r:embed="rId2">
+            <a:extLst>
+              <a:ext uri="{28A0092B-C50C-407E-A947-70E740481C1C}">
+                <a14:useLocalDpi xmlns:a14="http://schemas.microsoft.com/office/drawing/2010/main" val="0"/>
+              </a:ext>
+            </a:extLst>
+          </a:blip>
+          <a:stretch>
+            <a:fillRect/>
+          </a:stretch>
+        </p:blipFill>
+        <p:spPr>
+          <a:xfrm>
+            <a:off x="35327" y="-1280"/>
+            <a:ext cx="12156673" cy="6859279"/>
+          </a:xfrm>
+          <a:prstGeom prst="rect">
+            <a:avLst/>
+          </a:prstGeom>
+        </p:spPr>
+      </p:pic>
       <p:graphicFrame>
         <p:nvGraphicFramePr>
-          <p:cNvPr id="13" name="Объект 12"/>
+          <p:cNvPr id="25" name="Объект 24"/>
           <p:cNvGraphicFramePr>
             <a:graphicFrameLocks noChangeAspect="1"/>
           </p:cNvGraphicFramePr>
           <p:nvPr/>
         </p:nvGraphicFramePr>
         <p:xfrm>
-          <a:off x="10290315" y="230614"/>
-          <a:ext cx="1282266" cy="446454"/>
+          <a:off x="8309657" y="656694"/>
+          <a:ext cx="1150384" cy="505032"/>
         </p:xfrm>
         <a:graphic>
           <a:graphicData uri="http://schemas.openxmlformats.org/presentationml/2006/ole">
             <mc:AlternateContent xmlns:mc="http://schemas.openxmlformats.org/markup-compatibility/2006">
               <mc:Choice xmlns:v="urn:schemas-microsoft-com:vml" Requires="v">
-                <p:oleObj name="CorelDRAW" r:id="rId2" imgW="2566457" imgH="894201" progId="CorelDraw.Graphic.22">
+                <p:oleObj name="CorelDRAW" r:id="rId3" imgW="3084412" imgH="1354813" progId="CorelDraw.Graphic.22">
                   <p:embed/>
                 </p:oleObj>
               </mc:Choice>
               <mc:Fallback>
-                <p:oleObj name="CorelDRAW" r:id="rId2" imgW="2566457" imgH="894201" progId="CorelDraw.Graphic.22">
+                <p:oleObj name="CorelDRAW" r:id="rId3" imgW="3084412" imgH="1354813" progId="CorelDraw.Graphic.22">
                   <p:embed/>
                   <p:pic>
                     <p:nvPicPr>
-                      <p:cNvPr id="13" name="Объект 12"/>
+                      <p:cNvPr id="25" name="Объект 24"/>
                       <p:cNvPicPr/>
                       <p:nvPr/>
                     </p:nvPicPr>
                     <p:blipFill>
-                      <a:blip r:embed="rId3"/>
+                      <a:blip r:embed="rId4"/>
                       <a:stretch>
                         <a:fillRect/>
                       </a:stretch>
                     </p:blipFill>
                     <p:spPr>
                       <a:xfrm>
-                        <a:off x="10290315" y="230614"/>
-                        <a:ext cx="1282266" cy="446454"/>
+                        <a:off x="8309657" y="656694"/>
+                        <a:ext cx="1150384" cy="505032"/>
                       </a:xfrm>
                       <a:prstGeom prst="rect">
                         <a:avLst/>
@@ -4606,28 +4665,27 @@
       </p:graphicFrame>
       <p:pic>
         <p:nvPicPr>
-          <p:cNvPr id="11" name="Рисунок 10"/>
+          <p:cNvPr id="23" name="Рисунок 22"/>
           <p:cNvPicPr>
             <a:picLocks noChangeAspect="1"/>
           </p:cNvPicPr>
           <p:nvPr/>
         </p:nvPicPr>
-        <p:blipFill>
-          <a:blip r:embed="rId4" cstate="print">
+        <p:blipFill rotWithShape="1">
+          <a:blip r:embed="rId5" cstate="print">
             <a:extLst>
               <a:ext uri="{28A0092B-C50C-407E-A947-70E740481C1C}">
                 <a14:useLocalDpi xmlns:a14="http://schemas.microsoft.com/office/drawing/2010/main" val="0"/>
               </a:ext>
             </a:extLst>
           </a:blip>
-          <a:stretch>
-            <a:fillRect/>
-          </a:stretch>
+          <a:srcRect l="6339" t="15450" r="6560" b="15436"/>
+          <a:stretch/>
         </p:blipFill>
         <p:spPr>
           <a:xfrm>
-            <a:off x="653795" y="230614"/>
-            <a:ext cx="1047150" cy="417085"/>
+            <a:off x="777903" y="610623"/>
+            <a:ext cx="2193897" cy="1166729"/>
           </a:xfrm>
           <a:prstGeom prst="rect">
             <a:avLst/>
@@ -4636,1167 +4694,132 @@
       </p:pic>
       <p:sp>
         <p:nvSpPr>
-          <p:cNvPr id="9" name="Прямоугольник 8"/>
-          <p:cNvSpPr/>
-          <p:nvPr/>
-        </p:nvSpPr>
-        <p:spPr>
-          <a:xfrm>
-            <a:off x="986118" y="756621"/>
-            <a:ext cx="10586465" cy="21600"/>
+          <p:cNvPr id="6" name="Заголовок 1"/>
+          <p:cNvSpPr txBox="1">
+            <a:spLocks/>
+          </p:cNvSpPr>
+          <p:nvPr/>
+        </p:nvSpPr>
+        <p:spPr>
+          <a:xfrm>
+            <a:off x="1374021" y="2013212"/>
+            <a:ext cx="8086020" cy="2129652"/>
           </a:xfrm>
           <a:prstGeom prst="rect">
             <a:avLst/>
           </a:prstGeom>
-          <a:solidFill>
-            <a:srgbClr val="009218"/>
-          </a:solidFill>
-          <a:ln>
-            <a:noFill/>
-          </a:ln>
-        </p:spPr>
-        <p:style>
-          <a:lnRef idx="2">
-            <a:schemeClr val="accent1">
-              <a:shade val="50000"/>
-            </a:schemeClr>
-          </a:lnRef>
-          <a:fillRef idx="1">
-            <a:schemeClr val="accent1"/>
-          </a:fillRef>
-          <a:effectRef idx="0">
-            <a:schemeClr val="accent1"/>
-          </a:effectRef>
-          <a:fontRef idx="minor">
-            <a:schemeClr val="lt1"/>
-          </a:fontRef>
-        </p:style>
-        <p:txBody>
-          <a:bodyPr rtlCol="0" anchor="ctr"/>
-          <a:lstStyle/>
-          <a:p>
-            <a:pPr algn="ctr"/>
-            <a:endParaRPr lang="ru-RU" dirty="0">
-              <a:solidFill>
-                <a:srgbClr val="7030A0"/>
-              </a:solidFill>
-            </a:endParaRPr>
-          </a:p>
-        </p:txBody>
-      </p:sp>
-      <p:sp>
-        <p:nvSpPr>
-          <p:cNvPr id="3" name="TextBox 2">
-            <a:extLst>
-              <a:ext uri="{FF2B5EF4-FFF2-40B4-BE49-F238E27FC236}">
-                <a16:creationId xmlns:a16="http://schemas.microsoft.com/office/drawing/2014/main" id="{E1B88CF4-E43E-C79B-CF97-C8EA2659C084}"/>
-              </a:ext>
-            </a:extLst>
-          </p:cNvPr>
-          <p:cNvSpPr txBox="1"/>
-          <p:nvPr/>
-        </p:nvSpPr>
-        <p:spPr>
-          <a:xfrm>
-            <a:off x="986118" y="1045098"/>
-            <a:ext cx="4739887" cy="707886"/>
-          </a:xfrm>
-          <a:prstGeom prst="rect">
-            <a:avLst/>
-          </a:prstGeom>
-          <a:noFill/>
-        </p:spPr>
-        <p:txBody>
-          <a:bodyPr wrap="none" rtlCol="0">
-            <a:spAutoFit/>
+        </p:spPr>
+        <p:txBody>
+          <a:bodyPr>
+            <a:noAutofit/>
           </a:bodyPr>
-          <a:lstStyle/>
-          <a:p>
-            <a:r>
-              <a:rPr lang="ru-RU" sz="4000" b="1" dirty="0">
+          <a:lstStyle>
+            <a:lvl1pPr algn="l" defTabSz="914400" rtl="0" eaLnBrk="1" latinLnBrk="0" hangingPunct="1">
+              <a:lnSpc>
+                <a:spcPct val="90000"/>
+              </a:lnSpc>
+              <a:spcBef>
+                <a:spcPct val="0"/>
+              </a:spcBef>
+              <a:buNone/>
+              <a:defRPr sz="4400" kern="1200">
+                <a:solidFill>
+                  <a:schemeClr val="tx1"/>
+                </a:solidFill>
+                <a:latin typeface="+mj-lt"/>
+                <a:ea typeface="+mj-ea"/>
+                <a:cs typeface="+mj-cs"/>
+              </a:defRPr>
+            </a:lvl1pPr>
+          </a:lstStyle>
+          <a:p>
+            <a:pPr>
+              <a:lnSpc>
+                <a:spcPct val="100000"/>
+              </a:lnSpc>
+            </a:pPr>
+            <a:r>
+              <a:rPr lang="ru-RU" altLang="ru-RU" sz="4000" b="1" dirty="0">
                 <a:solidFill>
                   <a:srgbClr val="009218"/>
                 </a:solidFill>
                 <a:latin typeface="Arial" panose="020B0604020202020204" pitchFamily="34" charset="0"/>
-                <a:ea typeface="+mj-ea"/>
                 <a:cs typeface="Arial" panose="020B0604020202020204" pitchFamily="34" charset="0"/>
               </a:rPr>
-              <a:t>Потребление </a:t>
-            </a:r>
-            <a:r>
-              <a:rPr lang="en-US" sz="4000" b="1" dirty="0">
-                <a:solidFill>
-                  <a:srgbClr val="009218"/>
-                </a:solidFill>
-                <a:latin typeface="Arial" panose="020B0604020202020204" pitchFamily="34" charset="0"/>
-                <a:ea typeface="+mj-ea"/>
-                <a:cs typeface="Arial" panose="020B0604020202020204" pitchFamily="34" charset="0"/>
-              </a:rPr>
-              <a:t>CPU</a:t>
-            </a:r>
-            <a:endParaRPr lang="ru-RU" sz="4000" b="1" dirty="0">
-              <a:solidFill>
-                <a:srgbClr val="009218"/>
-              </a:solidFill>
-              <a:latin typeface="Arial" panose="020B0604020202020204" pitchFamily="34" charset="0"/>
-              <a:ea typeface="+mj-ea"/>
-              <a:cs typeface="Arial" panose="020B0604020202020204" pitchFamily="34" charset="0"/>
-            </a:endParaRPr>
-          </a:p>
-        </p:txBody>
-      </p:sp>
-      <p:pic>
-        <p:nvPicPr>
-          <p:cNvPr id="4" name="Picture 3" descr="A graph on a white sheet&#10;&#10;AI-generated content may be incorrect.">
-            <a:extLst>
-              <a:ext uri="{FF2B5EF4-FFF2-40B4-BE49-F238E27FC236}">
-                <a16:creationId xmlns:a16="http://schemas.microsoft.com/office/drawing/2014/main" id="{AB547321-5088-EB09-FF6F-F414DD1E036E}"/>
-              </a:ext>
-            </a:extLst>
-          </p:cNvPr>
-          <p:cNvPicPr>
-            <a:picLocks noChangeAspect="1"/>
-          </p:cNvPicPr>
-          <p:nvPr/>
-        </p:nvPicPr>
-        <p:blipFill>
-          <a:blip r:embed="rId5"/>
-          <a:stretch>
-            <a:fillRect/>
-          </a:stretch>
-        </p:blipFill>
-        <p:spPr>
-          <a:xfrm>
-            <a:off x="538094" y="1752984"/>
-            <a:ext cx="11034487" cy="4650880"/>
+              <a:t>Спасибо за внимание!</a:t>
+            </a:r>
+          </a:p>
+        </p:txBody>
+      </p:sp>
+      <p:sp>
+        <p:nvSpPr>
+          <p:cNvPr id="7" name="Прямоугольник 6"/>
+          <p:cNvSpPr/>
+          <p:nvPr/>
+        </p:nvSpPr>
+        <p:spPr>
+          <a:xfrm>
+            <a:off x="1374021" y="3176218"/>
+            <a:ext cx="8975406" cy="1569660"/>
           </a:xfrm>
           <a:prstGeom prst="rect">
             <a:avLst/>
           </a:prstGeom>
         </p:spPr>
-      </p:pic>
+        <p:txBody>
+          <a:bodyPr wrap="none">
+            <a:spAutoFit/>
+          </a:bodyPr>
+          <a:lstStyle/>
+          <a:p>
+            <a:pPr>
+              <a:lnSpc>
+                <a:spcPct val="100000"/>
+              </a:lnSpc>
+            </a:pPr>
+            <a:r>
+              <a:rPr lang="ru-RU" altLang="ru-RU" sz="2400" dirty="0">
+                <a:latin typeface="Arial" panose="020B0604020202020204" pitchFamily="34" charset="0"/>
+                <a:cs typeface="Arial" panose="020B0604020202020204" pitchFamily="34" charset="0"/>
+              </a:rPr>
+              <a:t>Исследование производительности сервисов с применением</a:t>
+            </a:r>
+          </a:p>
+          <a:p>
+            <a:pPr>
+              <a:lnSpc>
+                <a:spcPct val="100000"/>
+              </a:lnSpc>
+            </a:pPr>
+            <a:r>
+              <a:rPr lang="ru-RU" altLang="ru-RU" sz="2400" dirty="0">
+                <a:latin typeface="Arial" panose="020B0604020202020204" pitchFamily="34" charset="0"/>
+                <a:cs typeface="Arial" panose="020B0604020202020204" pitchFamily="34" charset="0"/>
+              </a:rPr>
+              <a:t>нагрузочного тестирования</a:t>
+            </a:r>
+          </a:p>
+          <a:p>
+            <a:endParaRPr lang="ru-RU" sz="2400" dirty="0">
+              <a:latin typeface="Arial" panose="020B0604020202020204" pitchFamily="34" charset="0"/>
+              <a:cs typeface="Arial" panose="020B0604020202020204" pitchFamily="34" charset="0"/>
+            </a:endParaRPr>
+          </a:p>
+          <a:p>
+            <a:r>
+              <a:rPr lang="ru-RU" sz="2400" dirty="0">
+                <a:latin typeface="Arial" panose="020B0604020202020204" pitchFamily="34" charset="0"/>
+                <a:cs typeface="Arial" panose="020B0604020202020204" pitchFamily="34" charset="0"/>
+              </a:rPr>
+              <a:t>Горбатов А. И. МЕН-412202</a:t>
+            </a:r>
+          </a:p>
+        </p:txBody>
+      </p:sp>
     </p:spTree>
     <p:extLst>
       <p:ext uri="{BB962C8B-B14F-4D97-AF65-F5344CB8AC3E}">
-        <p14:creationId xmlns:p14="http://schemas.microsoft.com/office/powerpoint/2010/main" val="3674372382"/>
-      </p:ext>
-    </p:extLst>
-  </p:cSld>
-  <p:clrMapOvr>
-    <a:masterClrMapping/>
-  </p:clrMapOvr>
-</p:sld>
-</file>
-
-<file path=ppt/slides/slide16.xml><?xml version="1.0" encoding="utf-8"?>
-<p:sld xmlns:a="http://schemas.openxmlformats.org/drawingml/2006/main" xmlns:r="http://schemas.openxmlformats.org/officeDocument/2006/relationships" xmlns:p="http://schemas.openxmlformats.org/presentationml/2006/main">
-  <p:cSld>
-    <p:spTree>
-      <p:nvGrpSpPr>
-        <p:cNvPr id="1" name=""/>
-        <p:cNvGrpSpPr/>
-        <p:nvPr/>
-      </p:nvGrpSpPr>
-      <p:grpSpPr>
-        <a:xfrm>
-          <a:off x="0" y="0"/>
-          <a:ext cx="0" cy="0"/>
-          <a:chOff x="0" y="0"/>
-          <a:chExt cx="0" cy="0"/>
-        </a:xfrm>
-      </p:grpSpPr>
-      <p:graphicFrame>
-        <p:nvGraphicFramePr>
-          <p:cNvPr id="13" name="Объект 12"/>
-          <p:cNvGraphicFramePr>
-            <a:graphicFrameLocks noChangeAspect="1"/>
-          </p:cNvGraphicFramePr>
-          <p:nvPr/>
-        </p:nvGraphicFramePr>
-        <p:xfrm>
-          <a:off x="10290315" y="230614"/>
-          <a:ext cx="1282266" cy="446454"/>
-        </p:xfrm>
-        <a:graphic>
-          <a:graphicData uri="http://schemas.openxmlformats.org/presentationml/2006/ole">
-            <mc:AlternateContent xmlns:mc="http://schemas.openxmlformats.org/markup-compatibility/2006">
-              <mc:Choice xmlns:v="urn:schemas-microsoft-com:vml" Requires="v">
-                <p:oleObj name="CorelDRAW" r:id="rId2" imgW="2566457" imgH="894201" progId="CorelDraw.Graphic.22">
-                  <p:embed/>
-                </p:oleObj>
-              </mc:Choice>
-              <mc:Fallback>
-                <p:oleObj name="CorelDRAW" r:id="rId2" imgW="2566457" imgH="894201" progId="CorelDraw.Graphic.22">
-                  <p:embed/>
-                  <p:pic>
-                    <p:nvPicPr>
-                      <p:cNvPr id="13" name="Объект 12"/>
-                      <p:cNvPicPr/>
-                      <p:nvPr/>
-                    </p:nvPicPr>
-                    <p:blipFill>
-                      <a:blip r:embed="rId3"/>
-                      <a:stretch>
-                        <a:fillRect/>
-                      </a:stretch>
-                    </p:blipFill>
-                    <p:spPr>
-                      <a:xfrm>
-                        <a:off x="10290315" y="230614"/>
-                        <a:ext cx="1282266" cy="446454"/>
-                      </a:xfrm>
-                      <a:prstGeom prst="rect">
-                        <a:avLst/>
-                      </a:prstGeom>
-                    </p:spPr>
-                  </p:pic>
-                </p:oleObj>
-              </mc:Fallback>
-            </mc:AlternateContent>
-          </a:graphicData>
-        </a:graphic>
-      </p:graphicFrame>
-      <p:pic>
-        <p:nvPicPr>
-          <p:cNvPr id="11" name="Рисунок 10"/>
-          <p:cNvPicPr>
-            <a:picLocks noChangeAspect="1"/>
-          </p:cNvPicPr>
-          <p:nvPr/>
-        </p:nvPicPr>
-        <p:blipFill>
-          <a:blip r:embed="rId4" cstate="print">
-            <a:extLst>
-              <a:ext uri="{28A0092B-C50C-407E-A947-70E740481C1C}">
-                <a14:useLocalDpi xmlns:a14="http://schemas.microsoft.com/office/drawing/2010/main" val="0"/>
-              </a:ext>
-            </a:extLst>
-          </a:blip>
-          <a:stretch>
-            <a:fillRect/>
-          </a:stretch>
-        </p:blipFill>
-        <p:spPr>
-          <a:xfrm>
-            <a:off x="653795" y="230614"/>
-            <a:ext cx="1047150" cy="417085"/>
-          </a:xfrm>
-          <a:prstGeom prst="rect">
-            <a:avLst/>
-          </a:prstGeom>
-        </p:spPr>
-      </p:pic>
-      <p:sp>
-        <p:nvSpPr>
-          <p:cNvPr id="9" name="Прямоугольник 8"/>
-          <p:cNvSpPr/>
-          <p:nvPr/>
-        </p:nvSpPr>
-        <p:spPr>
-          <a:xfrm>
-            <a:off x="986118" y="756621"/>
-            <a:ext cx="10586465" cy="21600"/>
-          </a:xfrm>
-          <a:prstGeom prst="rect">
-            <a:avLst/>
-          </a:prstGeom>
-          <a:solidFill>
-            <a:srgbClr val="009218"/>
-          </a:solidFill>
-          <a:ln>
-            <a:noFill/>
-          </a:ln>
-        </p:spPr>
-        <p:style>
-          <a:lnRef idx="2">
-            <a:schemeClr val="accent1">
-              <a:shade val="50000"/>
-            </a:schemeClr>
-          </a:lnRef>
-          <a:fillRef idx="1">
-            <a:schemeClr val="accent1"/>
-          </a:fillRef>
-          <a:effectRef idx="0">
-            <a:schemeClr val="accent1"/>
-          </a:effectRef>
-          <a:fontRef idx="minor">
-            <a:schemeClr val="lt1"/>
-          </a:fontRef>
-        </p:style>
-        <p:txBody>
-          <a:bodyPr rtlCol="0" anchor="ctr"/>
-          <a:lstStyle/>
-          <a:p>
-            <a:pPr algn="ctr"/>
-            <a:endParaRPr lang="ru-RU" dirty="0">
-              <a:solidFill>
-                <a:srgbClr val="7030A0"/>
-              </a:solidFill>
-            </a:endParaRPr>
-          </a:p>
-        </p:txBody>
-      </p:sp>
-      <p:sp>
-        <p:nvSpPr>
-          <p:cNvPr id="3" name="TextBox 2">
-            <a:extLst>
-              <a:ext uri="{FF2B5EF4-FFF2-40B4-BE49-F238E27FC236}">
-                <a16:creationId xmlns:a16="http://schemas.microsoft.com/office/drawing/2014/main" id="{E1B88CF4-E43E-C79B-CF97-C8EA2659C084}"/>
-              </a:ext>
-            </a:extLst>
-          </p:cNvPr>
-          <p:cNvSpPr txBox="1"/>
-          <p:nvPr/>
-        </p:nvSpPr>
-        <p:spPr>
-          <a:xfrm>
-            <a:off x="986118" y="1045098"/>
-            <a:ext cx="4686219" cy="707886"/>
-          </a:xfrm>
-          <a:prstGeom prst="rect">
-            <a:avLst/>
-          </a:prstGeom>
-          <a:noFill/>
-        </p:spPr>
-        <p:txBody>
-          <a:bodyPr wrap="none" rtlCol="0">
-            <a:spAutoFit/>
-          </a:bodyPr>
-          <a:lstStyle/>
-          <a:p>
-            <a:r>
-              <a:rPr lang="ru-RU" sz="4000" b="1" dirty="0">
-                <a:solidFill>
-                  <a:srgbClr val="009218"/>
-                </a:solidFill>
-                <a:latin typeface="Arial" panose="020B0604020202020204" pitchFamily="34" charset="0"/>
-                <a:ea typeface="+mj-ea"/>
-                <a:cs typeface="Arial" panose="020B0604020202020204" pitchFamily="34" charset="0"/>
-              </a:rPr>
-              <a:t>Ошибки </a:t>
-            </a:r>
-            <a:r>
-              <a:rPr lang="en-US" sz="4000" b="1" dirty="0">
-                <a:solidFill>
-                  <a:srgbClr val="009218"/>
-                </a:solidFill>
-                <a:latin typeface="Arial" panose="020B0604020202020204" pitchFamily="34" charset="0"/>
-                <a:ea typeface="+mj-ea"/>
-                <a:cs typeface="Arial" panose="020B0604020202020204" pitchFamily="34" charset="0"/>
-              </a:rPr>
-              <a:t>HTTP 429</a:t>
-            </a:r>
-            <a:endParaRPr lang="ru-RU" sz="4000" b="1" dirty="0">
-              <a:solidFill>
-                <a:srgbClr val="009218"/>
-              </a:solidFill>
-              <a:latin typeface="Arial" panose="020B0604020202020204" pitchFamily="34" charset="0"/>
-              <a:ea typeface="+mj-ea"/>
-              <a:cs typeface="Arial" panose="020B0604020202020204" pitchFamily="34" charset="0"/>
-            </a:endParaRPr>
-          </a:p>
-        </p:txBody>
-      </p:sp>
-      <p:pic>
-        <p:nvPicPr>
-          <p:cNvPr id="2" name="Picture 1">
-            <a:extLst>
-              <a:ext uri="{FF2B5EF4-FFF2-40B4-BE49-F238E27FC236}">
-                <a16:creationId xmlns:a16="http://schemas.microsoft.com/office/drawing/2014/main" id="{9991437C-13E7-5D08-3D89-94B7EA66B452}"/>
-              </a:ext>
-            </a:extLst>
-          </p:cNvPr>
-          <p:cNvPicPr>
-            <a:picLocks noChangeAspect="1"/>
-          </p:cNvPicPr>
-          <p:nvPr/>
-        </p:nvPicPr>
-        <p:blipFill>
-          <a:blip r:embed="rId5"/>
-          <a:stretch>
-            <a:fillRect/>
-          </a:stretch>
-        </p:blipFill>
-        <p:spPr>
-          <a:xfrm>
-            <a:off x="417536" y="2466315"/>
-            <a:ext cx="11356927" cy="2662292"/>
-          </a:xfrm>
-          <a:prstGeom prst="rect">
-            <a:avLst/>
-          </a:prstGeom>
-        </p:spPr>
-      </p:pic>
-    </p:spTree>
-    <p:extLst>
-      <p:ext uri="{BB962C8B-B14F-4D97-AF65-F5344CB8AC3E}">
-        <p14:creationId xmlns:p14="http://schemas.microsoft.com/office/powerpoint/2010/main" val="492219516"/>
-      </p:ext>
-    </p:extLst>
-  </p:cSld>
-  <p:clrMapOvr>
-    <a:masterClrMapping/>
-  </p:clrMapOvr>
-</p:sld>
-</file>
-
-<file path=ppt/slides/slide17.xml><?xml version="1.0" encoding="utf-8"?>
-<p:sld xmlns:a="http://schemas.openxmlformats.org/drawingml/2006/main" xmlns:r="http://schemas.openxmlformats.org/officeDocument/2006/relationships" xmlns:p="http://schemas.openxmlformats.org/presentationml/2006/main">
-  <p:cSld>
-    <p:spTree>
-      <p:nvGrpSpPr>
-        <p:cNvPr id="1" name=""/>
-        <p:cNvGrpSpPr/>
-        <p:nvPr/>
-      </p:nvGrpSpPr>
-      <p:grpSpPr>
-        <a:xfrm>
-          <a:off x="0" y="0"/>
-          <a:ext cx="0" cy="0"/>
-          <a:chOff x="0" y="0"/>
-          <a:chExt cx="0" cy="0"/>
-        </a:xfrm>
-      </p:grpSpPr>
-      <p:graphicFrame>
-        <p:nvGraphicFramePr>
-          <p:cNvPr id="13" name="Объект 12"/>
-          <p:cNvGraphicFramePr>
-            <a:graphicFrameLocks noChangeAspect="1"/>
-          </p:cNvGraphicFramePr>
-          <p:nvPr/>
-        </p:nvGraphicFramePr>
-        <p:xfrm>
-          <a:off x="10290315" y="230614"/>
-          <a:ext cx="1282266" cy="446454"/>
-        </p:xfrm>
-        <a:graphic>
-          <a:graphicData uri="http://schemas.openxmlformats.org/presentationml/2006/ole">
-            <mc:AlternateContent xmlns:mc="http://schemas.openxmlformats.org/markup-compatibility/2006">
-              <mc:Choice xmlns:v="urn:schemas-microsoft-com:vml" Requires="v">
-                <p:oleObj name="CorelDRAW" r:id="rId2" imgW="2566457" imgH="894201" progId="CorelDraw.Graphic.22">
-                  <p:embed/>
-                </p:oleObj>
-              </mc:Choice>
-              <mc:Fallback>
-                <p:oleObj name="CorelDRAW" r:id="rId2" imgW="2566457" imgH="894201" progId="CorelDraw.Graphic.22">
-                  <p:embed/>
-                  <p:pic>
-                    <p:nvPicPr>
-                      <p:cNvPr id="13" name="Объект 12"/>
-                      <p:cNvPicPr/>
-                      <p:nvPr/>
-                    </p:nvPicPr>
-                    <p:blipFill>
-                      <a:blip r:embed="rId3"/>
-                      <a:stretch>
-                        <a:fillRect/>
-                      </a:stretch>
-                    </p:blipFill>
-                    <p:spPr>
-                      <a:xfrm>
-                        <a:off x="10290315" y="230614"/>
-                        <a:ext cx="1282266" cy="446454"/>
-                      </a:xfrm>
-                      <a:prstGeom prst="rect">
-                        <a:avLst/>
-                      </a:prstGeom>
-                    </p:spPr>
-                  </p:pic>
-                </p:oleObj>
-              </mc:Fallback>
-            </mc:AlternateContent>
-          </a:graphicData>
-        </a:graphic>
-      </p:graphicFrame>
-      <p:pic>
-        <p:nvPicPr>
-          <p:cNvPr id="11" name="Рисунок 10"/>
-          <p:cNvPicPr>
-            <a:picLocks noChangeAspect="1"/>
-          </p:cNvPicPr>
-          <p:nvPr/>
-        </p:nvPicPr>
-        <p:blipFill>
-          <a:blip r:embed="rId4" cstate="print">
-            <a:extLst>
-              <a:ext uri="{28A0092B-C50C-407E-A947-70E740481C1C}">
-                <a14:useLocalDpi xmlns:a14="http://schemas.microsoft.com/office/drawing/2010/main" val="0"/>
-              </a:ext>
-            </a:extLst>
-          </a:blip>
-          <a:stretch>
-            <a:fillRect/>
-          </a:stretch>
-        </p:blipFill>
-        <p:spPr>
-          <a:xfrm>
-            <a:off x="653795" y="230614"/>
-            <a:ext cx="1047150" cy="417085"/>
-          </a:xfrm>
-          <a:prstGeom prst="rect">
-            <a:avLst/>
-          </a:prstGeom>
-        </p:spPr>
-      </p:pic>
-      <p:sp>
-        <p:nvSpPr>
-          <p:cNvPr id="9" name="Прямоугольник 8"/>
-          <p:cNvSpPr/>
-          <p:nvPr/>
-        </p:nvSpPr>
-        <p:spPr>
-          <a:xfrm>
-            <a:off x="986118" y="756621"/>
-            <a:ext cx="10586465" cy="21600"/>
-          </a:xfrm>
-          <a:prstGeom prst="rect">
-            <a:avLst/>
-          </a:prstGeom>
-          <a:solidFill>
-            <a:srgbClr val="009218"/>
-          </a:solidFill>
-          <a:ln>
-            <a:noFill/>
-          </a:ln>
-        </p:spPr>
-        <p:style>
-          <a:lnRef idx="2">
-            <a:schemeClr val="accent1">
-              <a:shade val="50000"/>
-            </a:schemeClr>
-          </a:lnRef>
-          <a:fillRef idx="1">
-            <a:schemeClr val="accent1"/>
-          </a:fillRef>
-          <a:effectRef idx="0">
-            <a:schemeClr val="accent1"/>
-          </a:effectRef>
-          <a:fontRef idx="minor">
-            <a:schemeClr val="lt1"/>
-          </a:fontRef>
-        </p:style>
-        <p:txBody>
-          <a:bodyPr rtlCol="0" anchor="ctr"/>
-          <a:lstStyle/>
-          <a:p>
-            <a:pPr algn="ctr"/>
-            <a:endParaRPr lang="ru-RU" dirty="0">
-              <a:solidFill>
-                <a:srgbClr val="7030A0"/>
-              </a:solidFill>
-            </a:endParaRPr>
-          </a:p>
-        </p:txBody>
-      </p:sp>
-      <p:sp>
-        <p:nvSpPr>
-          <p:cNvPr id="3" name="TextBox 2">
-            <a:extLst>
-              <a:ext uri="{FF2B5EF4-FFF2-40B4-BE49-F238E27FC236}">
-                <a16:creationId xmlns:a16="http://schemas.microsoft.com/office/drawing/2014/main" id="{E1B88CF4-E43E-C79B-CF97-C8EA2659C084}"/>
-              </a:ext>
-            </a:extLst>
-          </p:cNvPr>
-          <p:cNvSpPr txBox="1"/>
-          <p:nvPr/>
-        </p:nvSpPr>
-        <p:spPr>
-          <a:xfrm>
-            <a:off x="986118" y="1045098"/>
-            <a:ext cx="11026160" cy="707886"/>
-          </a:xfrm>
-          <a:prstGeom prst="rect">
-            <a:avLst/>
-          </a:prstGeom>
-          <a:noFill/>
-        </p:spPr>
-        <p:txBody>
-          <a:bodyPr wrap="none" rtlCol="0">
-            <a:spAutoFit/>
-          </a:bodyPr>
-          <a:lstStyle/>
-          <a:p>
-            <a:r>
-              <a:rPr lang="ru-RU" sz="4000" b="1" dirty="0">
-                <a:solidFill>
-                  <a:srgbClr val="009218"/>
-                </a:solidFill>
-                <a:latin typeface="Arial" panose="020B0604020202020204" pitchFamily="34" charset="0"/>
-                <a:ea typeface="+mj-ea"/>
-                <a:cs typeface="Arial" panose="020B0604020202020204" pitchFamily="34" charset="0"/>
-              </a:rPr>
-              <a:t>Выводы из теста на настройку троттлинга</a:t>
-            </a:r>
-          </a:p>
-        </p:txBody>
-      </p:sp>
-      <p:sp>
-        <p:nvSpPr>
-          <p:cNvPr id="4" name="TextBox 3">
-            <a:extLst>
-              <a:ext uri="{FF2B5EF4-FFF2-40B4-BE49-F238E27FC236}">
-                <a16:creationId xmlns:a16="http://schemas.microsoft.com/office/drawing/2014/main" id="{6D1D4546-E5D3-134F-D2C8-F09C0EB938D7}"/>
-              </a:ext>
-            </a:extLst>
-          </p:cNvPr>
-          <p:cNvSpPr txBox="1"/>
-          <p:nvPr/>
-        </p:nvSpPr>
-        <p:spPr>
-          <a:xfrm>
-            <a:off x="986118" y="2019861"/>
-            <a:ext cx="11577709" cy="4409797"/>
-          </a:xfrm>
-          <a:prstGeom prst="rect">
-            <a:avLst/>
-          </a:prstGeom>
-          <a:noFill/>
-        </p:spPr>
-        <p:txBody>
-          <a:bodyPr wrap="square" rtlCol="0">
-            <a:spAutoFit/>
-          </a:bodyPr>
-          <a:lstStyle/>
-          <a:p>
-            <a:pPr>
-              <a:lnSpc>
-                <a:spcPct val="150000"/>
-              </a:lnSpc>
-            </a:pPr>
-            <a:r>
-              <a:rPr lang="ru-RU" sz="4800" dirty="0"/>
-              <a:t>Запросы начали отклоняться при 85% потребления ядер процессора. </a:t>
-            </a:r>
-          </a:p>
-          <a:p>
-            <a:pPr>
-              <a:lnSpc>
-                <a:spcPct val="150000"/>
-              </a:lnSpc>
-            </a:pPr>
-            <a:r>
-              <a:rPr lang="ru-RU" sz="4800" dirty="0"/>
-              <a:t>Количество успешных кодов ответа не падало при росте нагрузки.</a:t>
-            </a:r>
-          </a:p>
-        </p:txBody>
-      </p:sp>
-    </p:spTree>
-    <p:extLst>
-      <p:ext uri="{BB962C8B-B14F-4D97-AF65-F5344CB8AC3E}">
-        <p14:creationId xmlns:p14="http://schemas.microsoft.com/office/powerpoint/2010/main" val="808018105"/>
-      </p:ext>
-    </p:extLst>
-  </p:cSld>
-  <p:clrMapOvr>
-    <a:masterClrMapping/>
-  </p:clrMapOvr>
-</p:sld>
-</file>
-
-<file path=ppt/slides/slide18.xml><?xml version="1.0" encoding="utf-8"?>
-<p:sld xmlns:a="http://schemas.openxmlformats.org/drawingml/2006/main" xmlns:r="http://schemas.openxmlformats.org/officeDocument/2006/relationships" xmlns:p="http://schemas.openxmlformats.org/presentationml/2006/main">
-  <p:cSld>
-    <p:spTree>
-      <p:nvGrpSpPr>
-        <p:cNvPr id="1" name=""/>
-        <p:cNvGrpSpPr/>
-        <p:nvPr/>
-      </p:nvGrpSpPr>
-      <p:grpSpPr>
-        <a:xfrm>
-          <a:off x="0" y="0"/>
-          <a:ext cx="0" cy="0"/>
-          <a:chOff x="0" y="0"/>
-          <a:chExt cx="0" cy="0"/>
-        </a:xfrm>
-      </p:grpSpPr>
-      <p:graphicFrame>
-        <p:nvGraphicFramePr>
-          <p:cNvPr id="13" name="Объект 12"/>
-          <p:cNvGraphicFramePr>
-            <a:graphicFrameLocks noChangeAspect="1"/>
-          </p:cNvGraphicFramePr>
-          <p:nvPr/>
-        </p:nvGraphicFramePr>
-        <p:xfrm>
-          <a:off x="10290315" y="230614"/>
-          <a:ext cx="1282266" cy="446454"/>
-        </p:xfrm>
-        <a:graphic>
-          <a:graphicData uri="http://schemas.openxmlformats.org/presentationml/2006/ole">
-            <mc:AlternateContent xmlns:mc="http://schemas.openxmlformats.org/markup-compatibility/2006">
-              <mc:Choice xmlns:v="urn:schemas-microsoft-com:vml" Requires="v">
-                <p:oleObj name="CorelDRAW" r:id="rId2" imgW="2566457" imgH="894201" progId="CorelDraw.Graphic.22">
-                  <p:embed/>
-                </p:oleObj>
-              </mc:Choice>
-              <mc:Fallback>
-                <p:oleObj name="CorelDRAW" r:id="rId2" imgW="2566457" imgH="894201" progId="CorelDraw.Graphic.22">
-                  <p:embed/>
-                  <p:pic>
-                    <p:nvPicPr>
-                      <p:cNvPr id="13" name="Объект 12"/>
-                      <p:cNvPicPr/>
-                      <p:nvPr/>
-                    </p:nvPicPr>
-                    <p:blipFill>
-                      <a:blip r:embed="rId3"/>
-                      <a:stretch>
-                        <a:fillRect/>
-                      </a:stretch>
-                    </p:blipFill>
-                    <p:spPr>
-                      <a:xfrm>
-                        <a:off x="10290315" y="230614"/>
-                        <a:ext cx="1282266" cy="446454"/>
-                      </a:xfrm>
-                      <a:prstGeom prst="rect">
-                        <a:avLst/>
-                      </a:prstGeom>
-                    </p:spPr>
-                  </p:pic>
-                </p:oleObj>
-              </mc:Fallback>
-            </mc:AlternateContent>
-          </a:graphicData>
-        </a:graphic>
-      </p:graphicFrame>
-      <p:pic>
-        <p:nvPicPr>
-          <p:cNvPr id="11" name="Рисунок 10"/>
-          <p:cNvPicPr>
-            <a:picLocks noChangeAspect="1"/>
-          </p:cNvPicPr>
-          <p:nvPr/>
-        </p:nvPicPr>
-        <p:blipFill>
-          <a:blip r:embed="rId4" cstate="print">
-            <a:extLst>
-              <a:ext uri="{28A0092B-C50C-407E-A947-70E740481C1C}">
-                <a14:useLocalDpi xmlns:a14="http://schemas.microsoft.com/office/drawing/2010/main" val="0"/>
-              </a:ext>
-            </a:extLst>
-          </a:blip>
-          <a:stretch>
-            <a:fillRect/>
-          </a:stretch>
-        </p:blipFill>
-        <p:spPr>
-          <a:xfrm>
-            <a:off x="653795" y="230614"/>
-            <a:ext cx="1047150" cy="417085"/>
-          </a:xfrm>
-          <a:prstGeom prst="rect">
-            <a:avLst/>
-          </a:prstGeom>
-        </p:spPr>
-      </p:pic>
-      <p:sp>
-        <p:nvSpPr>
-          <p:cNvPr id="9" name="Прямоугольник 8"/>
-          <p:cNvSpPr/>
-          <p:nvPr/>
-        </p:nvSpPr>
-        <p:spPr>
-          <a:xfrm>
-            <a:off x="986118" y="756621"/>
-            <a:ext cx="10586465" cy="21600"/>
-          </a:xfrm>
-          <a:prstGeom prst="rect">
-            <a:avLst/>
-          </a:prstGeom>
-          <a:solidFill>
-            <a:srgbClr val="009218"/>
-          </a:solidFill>
-          <a:ln>
-            <a:noFill/>
-          </a:ln>
-        </p:spPr>
-        <p:style>
-          <a:lnRef idx="2">
-            <a:schemeClr val="accent1">
-              <a:shade val="50000"/>
-            </a:schemeClr>
-          </a:lnRef>
-          <a:fillRef idx="1">
-            <a:schemeClr val="accent1"/>
-          </a:fillRef>
-          <a:effectRef idx="0">
-            <a:schemeClr val="accent1"/>
-          </a:effectRef>
-          <a:fontRef idx="minor">
-            <a:schemeClr val="lt1"/>
-          </a:fontRef>
-        </p:style>
-        <p:txBody>
-          <a:bodyPr rtlCol="0" anchor="ctr"/>
-          <a:lstStyle/>
-          <a:p>
-            <a:pPr algn="ctr"/>
-            <a:endParaRPr lang="ru-RU" dirty="0">
-              <a:solidFill>
-                <a:srgbClr val="7030A0"/>
-              </a:solidFill>
-            </a:endParaRPr>
-          </a:p>
-        </p:txBody>
-      </p:sp>
-      <p:sp>
-        <p:nvSpPr>
-          <p:cNvPr id="3" name="TextBox 2">
-            <a:extLst>
-              <a:ext uri="{FF2B5EF4-FFF2-40B4-BE49-F238E27FC236}">
-                <a16:creationId xmlns:a16="http://schemas.microsoft.com/office/drawing/2014/main" id="{E1B88CF4-E43E-C79B-CF97-C8EA2659C084}"/>
-              </a:ext>
-            </a:extLst>
-          </p:cNvPr>
-          <p:cNvSpPr txBox="1"/>
-          <p:nvPr/>
-        </p:nvSpPr>
-        <p:spPr>
-          <a:xfrm>
-            <a:off x="986118" y="1045098"/>
-            <a:ext cx="6709081" cy="1323439"/>
-          </a:xfrm>
-          <a:prstGeom prst="rect">
-            <a:avLst/>
-          </a:prstGeom>
-          <a:noFill/>
-        </p:spPr>
-        <p:txBody>
-          <a:bodyPr wrap="none" rtlCol="0">
-            <a:spAutoFit/>
-          </a:bodyPr>
-          <a:lstStyle/>
-          <a:p>
-            <a:r>
-              <a:rPr lang="ru-RU" sz="4000" b="1" dirty="0">
-                <a:solidFill>
-                  <a:srgbClr val="009218"/>
-                </a:solidFill>
-                <a:latin typeface="Arial" panose="020B0604020202020204" pitchFamily="34" charset="0"/>
-                <a:ea typeface="+mj-ea"/>
-                <a:cs typeface="Arial" panose="020B0604020202020204" pitchFamily="34" charset="0"/>
-              </a:rPr>
-              <a:t>Тест на всплеск нагрузки </a:t>
-            </a:r>
-          </a:p>
-          <a:p>
-            <a:r>
-              <a:rPr lang="ru-RU" sz="4000" b="1" dirty="0">
-                <a:solidFill>
-                  <a:srgbClr val="009218"/>
-                </a:solidFill>
-                <a:latin typeface="Arial" panose="020B0604020202020204" pitchFamily="34" charset="0"/>
-                <a:ea typeface="+mj-ea"/>
-                <a:cs typeface="Arial" panose="020B0604020202020204" pitchFamily="34" charset="0"/>
-              </a:rPr>
-              <a:t>с возвратом к норме</a:t>
-            </a:r>
-          </a:p>
-        </p:txBody>
-      </p:sp>
-      <p:sp>
-        <p:nvSpPr>
-          <p:cNvPr id="4" name="TextBox 3">
-            <a:extLst>
-              <a:ext uri="{FF2B5EF4-FFF2-40B4-BE49-F238E27FC236}">
-                <a16:creationId xmlns:a16="http://schemas.microsoft.com/office/drawing/2014/main" id="{6D1D4546-E5D3-134F-D2C8-F09C0EB938D7}"/>
-              </a:ext>
-            </a:extLst>
-          </p:cNvPr>
-          <p:cNvSpPr txBox="1"/>
-          <p:nvPr/>
-        </p:nvSpPr>
-        <p:spPr>
-          <a:xfrm>
-            <a:off x="986118" y="2575337"/>
-            <a:ext cx="11577709" cy="3301801"/>
-          </a:xfrm>
-          <a:prstGeom prst="rect">
-            <a:avLst/>
-          </a:prstGeom>
-          <a:noFill/>
-        </p:spPr>
-        <p:txBody>
-          <a:bodyPr wrap="square" rtlCol="0">
-            <a:spAutoFit/>
-          </a:bodyPr>
-          <a:lstStyle/>
-          <a:p>
-            <a:pPr>
-              <a:lnSpc>
-                <a:spcPct val="150000"/>
-              </a:lnSpc>
-            </a:pPr>
-            <a:r>
-              <a:rPr lang="ru-RU" sz="4800" dirty="0"/>
-              <a:t>Проверяем, что механизм троттлинга справляется с нагрузкой, а реплика восстанавливает нормальную работу</a:t>
-            </a:r>
-          </a:p>
-        </p:txBody>
-      </p:sp>
-    </p:spTree>
-    <p:extLst>
-      <p:ext uri="{BB962C8B-B14F-4D97-AF65-F5344CB8AC3E}">
-        <p14:creationId xmlns:p14="http://schemas.microsoft.com/office/powerpoint/2010/main" val="2901186683"/>
-      </p:ext>
-    </p:extLst>
-  </p:cSld>
-  <p:clrMapOvr>
-    <a:masterClrMapping/>
-  </p:clrMapOvr>
-</p:sld>
-</file>
-
-<file path=ppt/slides/slide19.xml><?xml version="1.0" encoding="utf-8"?>
-<p:sld xmlns:a="http://schemas.openxmlformats.org/drawingml/2006/main" xmlns:r="http://schemas.openxmlformats.org/officeDocument/2006/relationships" xmlns:p="http://schemas.openxmlformats.org/presentationml/2006/main">
-  <p:cSld>
-    <p:spTree>
-      <p:nvGrpSpPr>
-        <p:cNvPr id="1" name=""/>
-        <p:cNvGrpSpPr/>
-        <p:nvPr/>
-      </p:nvGrpSpPr>
-      <p:grpSpPr>
-        <a:xfrm>
-          <a:off x="0" y="0"/>
-          <a:ext cx="0" cy="0"/>
-          <a:chOff x="0" y="0"/>
-          <a:chExt cx="0" cy="0"/>
-        </a:xfrm>
-      </p:grpSpPr>
-      <p:graphicFrame>
-        <p:nvGraphicFramePr>
-          <p:cNvPr id="13" name="Объект 12"/>
-          <p:cNvGraphicFramePr>
-            <a:graphicFrameLocks noChangeAspect="1"/>
-          </p:cNvGraphicFramePr>
-          <p:nvPr/>
-        </p:nvGraphicFramePr>
-        <p:xfrm>
-          <a:off x="10290315" y="230614"/>
-          <a:ext cx="1282266" cy="446454"/>
-        </p:xfrm>
-        <a:graphic>
-          <a:graphicData uri="http://schemas.openxmlformats.org/presentationml/2006/ole">
-            <mc:AlternateContent xmlns:mc="http://schemas.openxmlformats.org/markup-compatibility/2006">
-              <mc:Choice xmlns:v="urn:schemas-microsoft-com:vml" Requires="v">
-                <p:oleObj name="CorelDRAW" r:id="rId2" imgW="2566457" imgH="894201" progId="CorelDraw.Graphic.22">
-                  <p:embed/>
-                </p:oleObj>
-              </mc:Choice>
-              <mc:Fallback>
-                <p:oleObj name="CorelDRAW" r:id="rId2" imgW="2566457" imgH="894201" progId="CorelDraw.Graphic.22">
-                  <p:embed/>
-                  <p:pic>
-                    <p:nvPicPr>
-                      <p:cNvPr id="13" name="Объект 12"/>
-                      <p:cNvPicPr/>
-                      <p:nvPr/>
-                    </p:nvPicPr>
-                    <p:blipFill>
-                      <a:blip r:embed="rId3"/>
-                      <a:stretch>
-                        <a:fillRect/>
-                      </a:stretch>
-                    </p:blipFill>
-                    <p:spPr>
-                      <a:xfrm>
-                        <a:off x="10290315" y="230614"/>
-                        <a:ext cx="1282266" cy="446454"/>
-                      </a:xfrm>
-                      <a:prstGeom prst="rect">
-                        <a:avLst/>
-                      </a:prstGeom>
-                    </p:spPr>
-                  </p:pic>
-                </p:oleObj>
-              </mc:Fallback>
-            </mc:AlternateContent>
-          </a:graphicData>
-        </a:graphic>
-      </p:graphicFrame>
-      <p:pic>
-        <p:nvPicPr>
-          <p:cNvPr id="11" name="Рисунок 10"/>
-          <p:cNvPicPr>
-            <a:picLocks noChangeAspect="1"/>
-          </p:cNvPicPr>
-          <p:nvPr/>
-        </p:nvPicPr>
-        <p:blipFill>
-          <a:blip r:embed="rId4" cstate="print">
-            <a:extLst>
-              <a:ext uri="{28A0092B-C50C-407E-A947-70E740481C1C}">
-                <a14:useLocalDpi xmlns:a14="http://schemas.microsoft.com/office/drawing/2010/main" val="0"/>
-              </a:ext>
-            </a:extLst>
-          </a:blip>
-          <a:stretch>
-            <a:fillRect/>
-          </a:stretch>
-        </p:blipFill>
-        <p:spPr>
-          <a:xfrm>
-            <a:off x="653795" y="230614"/>
-            <a:ext cx="1047150" cy="417085"/>
-          </a:xfrm>
-          <a:prstGeom prst="rect">
-            <a:avLst/>
-          </a:prstGeom>
-        </p:spPr>
-      </p:pic>
-      <p:sp>
-        <p:nvSpPr>
-          <p:cNvPr id="9" name="Прямоугольник 8"/>
-          <p:cNvSpPr/>
-          <p:nvPr/>
-        </p:nvSpPr>
-        <p:spPr>
-          <a:xfrm>
-            <a:off x="986118" y="756621"/>
-            <a:ext cx="10586465" cy="21600"/>
-          </a:xfrm>
-          <a:prstGeom prst="rect">
-            <a:avLst/>
-          </a:prstGeom>
-          <a:solidFill>
-            <a:srgbClr val="009218"/>
-          </a:solidFill>
-          <a:ln>
-            <a:noFill/>
-          </a:ln>
-        </p:spPr>
-        <p:style>
-          <a:lnRef idx="2">
-            <a:schemeClr val="accent1">
-              <a:shade val="50000"/>
-            </a:schemeClr>
-          </a:lnRef>
-          <a:fillRef idx="1">
-            <a:schemeClr val="accent1"/>
-          </a:fillRef>
-          <a:effectRef idx="0">
-            <a:schemeClr val="accent1"/>
-          </a:effectRef>
-          <a:fontRef idx="minor">
-            <a:schemeClr val="lt1"/>
-          </a:fontRef>
-        </p:style>
-        <p:txBody>
-          <a:bodyPr rtlCol="0" anchor="ctr"/>
-          <a:lstStyle/>
-          <a:p>
-            <a:pPr algn="ctr"/>
-            <a:endParaRPr lang="ru-RU" dirty="0">
-              <a:solidFill>
-                <a:srgbClr val="7030A0"/>
-              </a:solidFill>
-            </a:endParaRPr>
-          </a:p>
-        </p:txBody>
-      </p:sp>
-      <p:sp>
-        <p:nvSpPr>
-          <p:cNvPr id="3" name="TextBox 2">
-            <a:extLst>
-              <a:ext uri="{FF2B5EF4-FFF2-40B4-BE49-F238E27FC236}">
-                <a16:creationId xmlns:a16="http://schemas.microsoft.com/office/drawing/2014/main" id="{E1B88CF4-E43E-C79B-CF97-C8EA2659C084}"/>
-              </a:ext>
-            </a:extLst>
-          </p:cNvPr>
-          <p:cNvSpPr txBox="1"/>
-          <p:nvPr/>
-        </p:nvSpPr>
-        <p:spPr>
-          <a:xfrm>
-            <a:off x="986118" y="1045098"/>
-            <a:ext cx="6709081" cy="1323439"/>
-          </a:xfrm>
-          <a:prstGeom prst="rect">
-            <a:avLst/>
-          </a:prstGeom>
-          <a:noFill/>
-        </p:spPr>
-        <p:txBody>
-          <a:bodyPr wrap="none" rtlCol="0">
-            <a:spAutoFit/>
-          </a:bodyPr>
-          <a:lstStyle/>
-          <a:p>
-            <a:r>
-              <a:rPr lang="ru-RU" sz="4000" b="1" dirty="0">
-                <a:solidFill>
-                  <a:srgbClr val="009218"/>
-                </a:solidFill>
-                <a:latin typeface="Arial" panose="020B0604020202020204" pitchFamily="34" charset="0"/>
-                <a:ea typeface="+mj-ea"/>
-                <a:cs typeface="Arial" panose="020B0604020202020204" pitchFamily="34" charset="0"/>
-              </a:rPr>
-              <a:t>Тест на всплеск нагрузки </a:t>
-            </a:r>
-          </a:p>
-          <a:p>
-            <a:r>
-              <a:rPr lang="ru-RU" sz="4000" b="1" dirty="0">
-                <a:solidFill>
-                  <a:srgbClr val="009218"/>
-                </a:solidFill>
-                <a:latin typeface="Arial" panose="020B0604020202020204" pitchFamily="34" charset="0"/>
-                <a:ea typeface="+mj-ea"/>
-                <a:cs typeface="Arial" panose="020B0604020202020204" pitchFamily="34" charset="0"/>
-              </a:rPr>
-              <a:t>с возвратом к норме</a:t>
-            </a:r>
-          </a:p>
-        </p:txBody>
-      </p:sp>
-      <p:sp>
-        <p:nvSpPr>
-          <p:cNvPr id="4" name="TextBox 3">
-            <a:extLst>
-              <a:ext uri="{FF2B5EF4-FFF2-40B4-BE49-F238E27FC236}">
-                <a16:creationId xmlns:a16="http://schemas.microsoft.com/office/drawing/2014/main" id="{6D1D4546-E5D3-134F-D2C8-F09C0EB938D7}"/>
-              </a:ext>
-            </a:extLst>
-          </p:cNvPr>
-          <p:cNvSpPr txBox="1"/>
-          <p:nvPr/>
-        </p:nvSpPr>
-        <p:spPr>
-          <a:xfrm>
-            <a:off x="986118" y="2575337"/>
-            <a:ext cx="11577709" cy="3301801"/>
-          </a:xfrm>
-          <a:prstGeom prst="rect">
-            <a:avLst/>
-          </a:prstGeom>
-          <a:noFill/>
-        </p:spPr>
-        <p:txBody>
-          <a:bodyPr wrap="square" rtlCol="0">
-            <a:spAutoFit/>
-          </a:bodyPr>
-          <a:lstStyle/>
-          <a:p>
-            <a:pPr>
-              <a:lnSpc>
-                <a:spcPct val="150000"/>
-              </a:lnSpc>
-            </a:pPr>
-            <a:r>
-              <a:rPr lang="ru-RU" sz="4800" dirty="0"/>
-              <a:t>Проверяем, что механизм троттлинга справляется с нагрузкой, а реплика восстанавливает нормальную работу</a:t>
-            </a:r>
-          </a:p>
-        </p:txBody>
-      </p:sp>
-    </p:spTree>
-    <p:extLst>
-      <p:ext uri="{BB962C8B-B14F-4D97-AF65-F5344CB8AC3E}">
-        <p14:creationId xmlns:p14="http://schemas.microsoft.com/office/powerpoint/2010/main" val="2925939643"/>
+        <p14:creationId xmlns:p14="http://schemas.microsoft.com/office/powerpoint/2010/main" val="3133169553"/>
       </p:ext>
     </p:extLst>
   </p:cSld>
@@ -6117,7 +5140,7 @@
             </a:pPr>
             <a:r>
               <a:rPr lang="ru-RU" sz="2400" dirty="0"/>
-              <a:t>Проверка регрессия производительности после релизов</a:t>
+              <a:t>Проверка регрессии производительности после релизов</a:t>
             </a:r>
           </a:p>
           <a:p>
@@ -6174,7 +5197,7 @@
 </p:sld>
 </file>
 
-<file path=ppt/slides/slide20.xml><?xml version="1.0" encoding="utf-8"?>
+<file path=ppt/slides/slide3.xml><?xml version="1.0" encoding="utf-8"?>
 <p:sld xmlns:a="http://schemas.openxmlformats.org/drawingml/2006/main" xmlns:r="http://schemas.openxmlformats.org/officeDocument/2006/relationships" xmlns:p="http://schemas.openxmlformats.org/presentationml/2006/main">
   <p:cSld>
     <p:spTree>
@@ -6324,10 +5347,10 @@
       </p:sp>
       <p:sp>
         <p:nvSpPr>
-          <p:cNvPr id="3" name="TextBox 2">
+          <p:cNvPr id="6" name="TextBox 5">
             <a:extLst>
               <a:ext uri="{FF2B5EF4-FFF2-40B4-BE49-F238E27FC236}">
-                <a16:creationId xmlns:a16="http://schemas.microsoft.com/office/drawing/2014/main" id="{E1B88CF4-E43E-C79B-CF97-C8EA2659C084}"/>
+                <a16:creationId xmlns:a16="http://schemas.microsoft.com/office/drawing/2014/main" id="{D3F9E91D-0016-215E-8220-81D7BD177E46}"/>
               </a:ext>
             </a:extLst>
           </p:cNvPr>
@@ -6336,8 +5359,8 @@
         </p:nvSpPr>
         <p:spPr>
           <a:xfrm>
-            <a:off x="986118" y="1045098"/>
-            <a:ext cx="7571432" cy="707886"/>
+            <a:off x="986118" y="1046139"/>
+            <a:ext cx="5725994" cy="707886"/>
           </a:xfrm>
           <a:prstGeom prst="rect">
             <a:avLst/>
@@ -6345,7 +5368,7 @@
           <a:noFill/>
         </p:spPr>
         <p:txBody>
-          <a:bodyPr wrap="none" rtlCol="0">
+          <a:bodyPr wrap="square" rtlCol="0">
             <a:spAutoFit/>
           </a:bodyPr>
           <a:lstStyle/>
@@ -6359,64 +5382,96 @@
                 <a:ea typeface="+mj-ea"/>
                 <a:cs typeface="Arial" panose="020B0604020202020204" pitchFamily="34" charset="0"/>
               </a:rPr>
-              <a:t>Успешные коды ответа </a:t>
-            </a:r>
-            <a:r>
-              <a:rPr lang="en-US" sz="4000" b="1" dirty="0">
-                <a:solidFill>
-                  <a:srgbClr val="009218"/>
-                </a:solidFill>
-                <a:latin typeface="Arial" panose="020B0604020202020204" pitchFamily="34" charset="0"/>
-                <a:ea typeface="+mj-ea"/>
-                <a:cs typeface="Arial" panose="020B0604020202020204" pitchFamily="34" charset="0"/>
-              </a:rPr>
-              <a:t>HTTP</a:t>
-            </a:r>
-            <a:endParaRPr lang="ru-RU" sz="4000" b="1" dirty="0">
-              <a:solidFill>
-                <a:srgbClr val="009218"/>
-              </a:solidFill>
-              <a:latin typeface="Arial" panose="020B0604020202020204" pitchFamily="34" charset="0"/>
-              <a:ea typeface="+mj-ea"/>
-              <a:cs typeface="Arial" panose="020B0604020202020204" pitchFamily="34" charset="0"/>
-            </a:endParaRPr>
-          </a:p>
-        </p:txBody>
-      </p:sp>
-      <p:pic>
-        <p:nvPicPr>
-          <p:cNvPr id="2" name="Picture 1">
+              <a:t>Постановка задачи</a:t>
+            </a:r>
+          </a:p>
+        </p:txBody>
+      </p:sp>
+      <p:sp>
+        <p:nvSpPr>
+          <p:cNvPr id="7" name="TextBox 6">
             <a:extLst>
               <a:ext uri="{FF2B5EF4-FFF2-40B4-BE49-F238E27FC236}">
-                <a16:creationId xmlns:a16="http://schemas.microsoft.com/office/drawing/2014/main" id="{5C06AE96-A8D0-9E86-EB21-26C65F2D8550}"/>
+                <a16:creationId xmlns:a16="http://schemas.microsoft.com/office/drawing/2014/main" id="{7801802E-934C-DC27-ED46-BEC1C25D096D}"/>
               </a:ext>
             </a:extLst>
           </p:cNvPr>
-          <p:cNvPicPr>
-            <a:picLocks noChangeAspect="1"/>
-          </p:cNvPicPr>
-          <p:nvPr/>
-        </p:nvPicPr>
-        <p:blipFill>
-          <a:blip r:embed="rId5"/>
-          <a:stretch>
-            <a:fillRect/>
-          </a:stretch>
-        </p:blipFill>
-        <p:spPr>
-          <a:xfrm>
-            <a:off x="281990" y="2535164"/>
-            <a:ext cx="11806901" cy="2784182"/>
+          <p:cNvSpPr txBox="1"/>
+          <p:nvPr/>
+        </p:nvSpPr>
+        <p:spPr>
+          <a:xfrm>
+            <a:off x="986118" y="1754025"/>
+            <a:ext cx="10781440" cy="3903504"/>
           </a:xfrm>
           <a:prstGeom prst="rect">
             <a:avLst/>
           </a:prstGeom>
-        </p:spPr>
-      </p:pic>
+          <a:noFill/>
+        </p:spPr>
+        <p:txBody>
+          <a:bodyPr wrap="square" rtlCol="0">
+            <a:spAutoFit/>
+          </a:bodyPr>
+          <a:lstStyle/>
+          <a:p>
+            <a:pPr marL="342900" indent="-342900">
+              <a:lnSpc>
+                <a:spcPct val="150000"/>
+              </a:lnSpc>
+              <a:buFont typeface="Arial" panose="020B0604020202020204" pitchFamily="34" charset="0"/>
+              <a:buChar char="•"/>
+            </a:pPr>
+            <a:r>
+              <a:rPr lang="ru-RU" sz="2800" dirty="0"/>
+              <a:t>Определение необходимых критериев сервиса для возможности корректного проведения нагрузочного тестирования</a:t>
+            </a:r>
+          </a:p>
+          <a:p>
+            <a:pPr marL="342900" lvl="0" indent="-342900">
+              <a:lnSpc>
+                <a:spcPct val="150000"/>
+              </a:lnSpc>
+              <a:buFont typeface="Arial" panose="020B0604020202020204" pitchFamily="34" charset="0"/>
+              <a:buChar char="•"/>
+            </a:pPr>
+            <a:r>
+              <a:rPr lang="ru-RU" sz="2800" dirty="0"/>
+              <a:t>Определение ключевых метрик производительности сервисов, подлежащих оценке</a:t>
+            </a:r>
+          </a:p>
+          <a:p>
+            <a:pPr marL="342900" lvl="0" indent="-342900">
+              <a:lnSpc>
+                <a:spcPct val="150000"/>
+              </a:lnSpc>
+              <a:buFont typeface="Arial" panose="020B0604020202020204" pitchFamily="34" charset="0"/>
+              <a:buChar char="•"/>
+            </a:pPr>
+            <a:r>
+              <a:rPr lang="ru-RU" sz="2800" dirty="0"/>
+              <a:t>Определение методики нагрузочного тестирования</a:t>
+            </a:r>
+          </a:p>
+          <a:p>
+            <a:pPr marL="342900" lvl="0" indent="-342900">
+              <a:lnSpc>
+                <a:spcPct val="150000"/>
+              </a:lnSpc>
+              <a:buFont typeface="Arial" panose="020B0604020202020204" pitchFamily="34" charset="0"/>
+              <a:buChar char="•"/>
+            </a:pPr>
+            <a:r>
+              <a:rPr lang="ru-RU" sz="2800" dirty="0"/>
+              <a:t>Применение методики</a:t>
+            </a:r>
+          </a:p>
+        </p:txBody>
+      </p:sp>
     </p:spTree>
     <p:extLst>
       <p:ext uri="{BB962C8B-B14F-4D97-AF65-F5344CB8AC3E}">
-        <p14:creationId xmlns:p14="http://schemas.microsoft.com/office/powerpoint/2010/main" val="2637721604"/>
+        <p14:creationId xmlns:p14="http://schemas.microsoft.com/office/powerpoint/2010/main" val="2246058494"/>
       </p:ext>
     </p:extLst>
   </p:cSld>
@@ -6426,7 +5481,7 @@
 </p:sld>
 </file>
 
-<file path=ppt/slides/slide21.xml><?xml version="1.0" encoding="utf-8"?>
+<file path=ppt/slides/slide4.xml><?xml version="1.0" encoding="utf-8"?>
 <p:sld xmlns:a="http://schemas.openxmlformats.org/drawingml/2006/main" xmlns:r="http://schemas.openxmlformats.org/officeDocument/2006/relationships" xmlns:p="http://schemas.openxmlformats.org/presentationml/2006/main">
   <p:cSld>
     <p:spTree>
@@ -6576,10 +5631,10 @@
       </p:sp>
       <p:sp>
         <p:nvSpPr>
-          <p:cNvPr id="3" name="TextBox 2">
+          <p:cNvPr id="6" name="TextBox 5">
             <a:extLst>
               <a:ext uri="{FF2B5EF4-FFF2-40B4-BE49-F238E27FC236}">
-                <a16:creationId xmlns:a16="http://schemas.microsoft.com/office/drawing/2014/main" id="{E1B88CF4-E43E-C79B-CF97-C8EA2659C084}"/>
+                <a16:creationId xmlns:a16="http://schemas.microsoft.com/office/drawing/2014/main" id="{D3F9E91D-0016-215E-8220-81D7BD177E46}"/>
               </a:ext>
             </a:extLst>
           </p:cNvPr>
@@ -6588,8 +5643,8 @@
         </p:nvSpPr>
         <p:spPr>
           <a:xfrm>
-            <a:off x="986118" y="1045098"/>
-            <a:ext cx="4739887" cy="707886"/>
+            <a:off x="986118" y="1046139"/>
+            <a:ext cx="5725994" cy="707886"/>
           </a:xfrm>
           <a:prstGeom prst="rect">
             <a:avLst/>
@@ -6597,7 +5652,7 @@
           <a:noFill/>
         </p:spPr>
         <p:txBody>
-          <a:bodyPr wrap="none" rtlCol="0">
+          <a:bodyPr wrap="square" rtlCol="0">
             <a:spAutoFit/>
           </a:bodyPr>
           <a:lstStyle/>
@@ -6611,64 +5666,96 @@
                 <a:ea typeface="+mj-ea"/>
                 <a:cs typeface="Arial" panose="020B0604020202020204" pitchFamily="34" charset="0"/>
               </a:rPr>
-              <a:t>Потребление </a:t>
-            </a:r>
-            <a:r>
-              <a:rPr lang="en-US" sz="4000" b="1" dirty="0">
-                <a:solidFill>
-                  <a:srgbClr val="009218"/>
-                </a:solidFill>
-                <a:latin typeface="Arial" panose="020B0604020202020204" pitchFamily="34" charset="0"/>
-                <a:ea typeface="+mj-ea"/>
-                <a:cs typeface="Arial" panose="020B0604020202020204" pitchFamily="34" charset="0"/>
-              </a:rPr>
-              <a:t>CPU</a:t>
-            </a:r>
-            <a:endParaRPr lang="ru-RU" sz="4000" b="1" dirty="0">
-              <a:solidFill>
-                <a:srgbClr val="009218"/>
-              </a:solidFill>
-              <a:latin typeface="Arial" panose="020B0604020202020204" pitchFamily="34" charset="0"/>
-              <a:ea typeface="+mj-ea"/>
-              <a:cs typeface="Arial" panose="020B0604020202020204" pitchFamily="34" charset="0"/>
-            </a:endParaRPr>
-          </a:p>
-        </p:txBody>
-      </p:sp>
-      <p:pic>
-        <p:nvPicPr>
-          <p:cNvPr id="4" name="Picture 3">
+              <a:t>Решение задачи</a:t>
+            </a:r>
+          </a:p>
+        </p:txBody>
+      </p:sp>
+      <p:sp>
+        <p:nvSpPr>
+          <p:cNvPr id="3" name="TextBox 2">
             <a:extLst>
               <a:ext uri="{FF2B5EF4-FFF2-40B4-BE49-F238E27FC236}">
-                <a16:creationId xmlns:a16="http://schemas.microsoft.com/office/drawing/2014/main" id="{EB8AE4C5-3A92-A8AF-EF88-08D5B137283E}"/>
+                <a16:creationId xmlns:a16="http://schemas.microsoft.com/office/drawing/2014/main" id="{A143A3BA-A0E3-CC14-27B7-FCB52FD0159C}"/>
               </a:ext>
             </a:extLst>
           </p:cNvPr>
-          <p:cNvPicPr>
-            <a:picLocks noChangeAspect="1"/>
-          </p:cNvPicPr>
-          <p:nvPr/>
-        </p:nvPicPr>
-        <p:blipFill>
-          <a:blip r:embed="rId5"/>
-          <a:stretch>
-            <a:fillRect/>
-          </a:stretch>
-        </p:blipFill>
-        <p:spPr>
-          <a:xfrm>
-            <a:off x="812106" y="1934389"/>
-            <a:ext cx="10846558" cy="4541525"/>
+          <p:cNvSpPr txBox="1"/>
+          <p:nvPr/>
+        </p:nvSpPr>
+        <p:spPr>
+          <a:xfrm>
+            <a:off x="986118" y="1897166"/>
+            <a:ext cx="10699335" cy="4467057"/>
           </a:xfrm>
           <a:prstGeom prst="rect">
             <a:avLst/>
           </a:prstGeom>
-        </p:spPr>
-      </p:pic>
+          <a:noFill/>
+        </p:spPr>
+        <p:txBody>
+          <a:bodyPr wrap="square" rtlCol="0">
+            <a:spAutoFit/>
+          </a:bodyPr>
+          <a:lstStyle/>
+          <a:p>
+            <a:pPr marL="285750" indent="-285750">
+              <a:lnSpc>
+                <a:spcPct val="150000"/>
+              </a:lnSpc>
+              <a:buFont typeface="Arial" panose="020B0604020202020204" pitchFamily="34" charset="0"/>
+              <a:buChar char="•"/>
+            </a:pPr>
+            <a:r>
+              <a:rPr lang="ru-RU" sz="2400" dirty="0"/>
+              <a:t>Исследованы предпосылки и требования, сигнализирующие о необходимости проведения нагрузочного тестирования</a:t>
+            </a:r>
+          </a:p>
+          <a:p>
+            <a:pPr marL="285750" indent="-285750">
+              <a:lnSpc>
+                <a:spcPct val="150000"/>
+              </a:lnSpc>
+              <a:buFont typeface="Arial" panose="020B0604020202020204" pitchFamily="34" charset="0"/>
+              <a:buChar char="•"/>
+            </a:pPr>
+            <a:r>
+              <a:rPr lang="ru-RU" sz="2400" dirty="0"/>
+              <a:t>Проанализированы требования к знаниям о производительности сервисов для их запуска и поддержки, а также внедрения новых сценариев</a:t>
+            </a:r>
+          </a:p>
+          <a:p>
+            <a:pPr marL="285750" indent="-285750">
+              <a:lnSpc>
+                <a:spcPct val="150000"/>
+              </a:lnSpc>
+              <a:buFont typeface="Arial" panose="020B0604020202020204" pitchFamily="34" charset="0"/>
+              <a:buChar char="•"/>
+            </a:pPr>
+            <a:r>
+              <a:rPr lang="ru-RU" sz="2400" dirty="0"/>
+              <a:t>Исследованы несколько типов нагрузочного тестирования: первичное тестирование, стресс-тестирование, тестирование на больших объемах</a:t>
+            </a:r>
+          </a:p>
+          <a:p>
+            <a:pPr marL="285750" indent="-285750">
+              <a:lnSpc>
+                <a:spcPct val="150000"/>
+              </a:lnSpc>
+              <a:buFont typeface="Arial" panose="020B0604020202020204" pitchFamily="34" charset="0"/>
+              <a:buChar char="•"/>
+            </a:pPr>
+            <a:r>
+              <a:rPr lang="ru-RU" sz="2400" dirty="0"/>
+              <a:t>Проведено первичное нагрузочное тестирование конкретного сервиса, проанализированы результаты на основе получившихся графиков</a:t>
+            </a:r>
+          </a:p>
+        </p:txBody>
+      </p:sp>
     </p:spTree>
     <p:extLst>
       <p:ext uri="{BB962C8B-B14F-4D97-AF65-F5344CB8AC3E}">
-        <p14:creationId xmlns:p14="http://schemas.microsoft.com/office/powerpoint/2010/main" val="3623041741"/>
+        <p14:creationId xmlns:p14="http://schemas.microsoft.com/office/powerpoint/2010/main" val="2678796929"/>
       </p:ext>
     </p:extLst>
   </p:cSld>
@@ -6678,7 +5765,7 @@
 </p:sld>
 </file>
 
-<file path=ppt/slides/slide22.xml><?xml version="1.0" encoding="utf-8"?>
+<file path=ppt/slides/slide5.xml><?xml version="1.0" encoding="utf-8"?>
 <p:sld xmlns:a="http://schemas.openxmlformats.org/drawingml/2006/main" xmlns:r="http://schemas.openxmlformats.org/officeDocument/2006/relationships" xmlns:p="http://schemas.openxmlformats.org/presentationml/2006/main">
   <p:cSld>
     <p:spTree>
@@ -6840,8 +5927,8 @@
         </p:nvSpPr>
         <p:spPr>
           <a:xfrm>
-            <a:off x="986118" y="1045098"/>
-            <a:ext cx="4686219" cy="707886"/>
+            <a:off x="986118" y="1102408"/>
+            <a:ext cx="9809417" cy="707886"/>
           </a:xfrm>
           <a:prstGeom prst="rect">
             <a:avLst/>
@@ -6863,64 +5950,77 @@
                 <a:ea typeface="+mj-ea"/>
                 <a:cs typeface="Arial" panose="020B0604020202020204" pitchFamily="34" charset="0"/>
               </a:rPr>
-              <a:t>Ошибки </a:t>
-            </a:r>
-            <a:r>
-              <a:rPr lang="en-US" sz="4000" b="1" dirty="0">
-                <a:solidFill>
-                  <a:srgbClr val="009218"/>
-                </a:solidFill>
-                <a:latin typeface="Arial" panose="020B0604020202020204" pitchFamily="34" charset="0"/>
-                <a:ea typeface="+mj-ea"/>
-                <a:cs typeface="Arial" panose="020B0604020202020204" pitchFamily="34" charset="0"/>
-              </a:rPr>
-              <a:t>HTTP 429</a:t>
-            </a:r>
-            <a:endParaRPr lang="ru-RU" sz="4000" b="1" dirty="0">
-              <a:solidFill>
-                <a:srgbClr val="009218"/>
-              </a:solidFill>
-              <a:latin typeface="Arial" panose="020B0604020202020204" pitchFamily="34" charset="0"/>
-              <a:ea typeface="+mj-ea"/>
-              <a:cs typeface="Arial" panose="020B0604020202020204" pitchFamily="34" charset="0"/>
-            </a:endParaRPr>
-          </a:p>
-        </p:txBody>
-      </p:sp>
-      <p:pic>
-        <p:nvPicPr>
-          <p:cNvPr id="2" name="Picture 1" descr="A graph of a graph&#10;&#10;AI-generated content may be incorrect.">
+              <a:t>Тест на производительность сервиса</a:t>
+            </a:r>
+          </a:p>
+        </p:txBody>
+      </p:sp>
+      <p:sp>
+        <p:nvSpPr>
+          <p:cNvPr id="5" name="TextBox 4">
             <a:extLst>
               <a:ext uri="{FF2B5EF4-FFF2-40B4-BE49-F238E27FC236}">
-                <a16:creationId xmlns:a16="http://schemas.microsoft.com/office/drawing/2014/main" id="{9F126F4E-015C-AF63-2EF8-3E6F1A6FABCB}"/>
+                <a16:creationId xmlns:a16="http://schemas.microsoft.com/office/drawing/2014/main" id="{6C849D63-C8A5-3568-2426-02103EC2671B}"/>
               </a:ext>
             </a:extLst>
           </p:cNvPr>
-          <p:cNvPicPr>
-            <a:picLocks noChangeAspect="1"/>
-          </p:cNvPicPr>
-          <p:nvPr/>
-        </p:nvPicPr>
-        <p:blipFill>
-          <a:blip r:embed="rId5"/>
-          <a:stretch>
-            <a:fillRect/>
-          </a:stretch>
-        </p:blipFill>
-        <p:spPr>
-          <a:xfrm>
-            <a:off x="371232" y="2476801"/>
-            <a:ext cx="11201349" cy="2628216"/>
+          <p:cNvSpPr txBox="1"/>
+          <p:nvPr/>
+        </p:nvSpPr>
+        <p:spPr>
+          <a:xfrm>
+            <a:off x="986118" y="1886654"/>
+            <a:ext cx="11138522" cy="4161460"/>
           </a:xfrm>
           <a:prstGeom prst="rect">
             <a:avLst/>
           </a:prstGeom>
-        </p:spPr>
-      </p:pic>
+          <a:noFill/>
+        </p:spPr>
+        <p:txBody>
+          <a:bodyPr wrap="square" rtlCol="0">
+            <a:spAutoFit/>
+          </a:bodyPr>
+          <a:lstStyle/>
+          <a:p>
+            <a:pPr>
+              <a:lnSpc>
+                <a:spcPct val="150000"/>
+              </a:lnSpc>
+            </a:pPr>
+            <a:r>
+              <a:rPr lang="ru-RU" sz="3600" dirty="0"/>
+              <a:t>Проверено, на каком значении произойдет деградация сервиса.</a:t>
+            </a:r>
+          </a:p>
+          <a:p>
+            <a:pPr>
+              <a:lnSpc>
+                <a:spcPct val="150000"/>
+              </a:lnSpc>
+            </a:pPr>
+            <a:r>
+              <a:rPr lang="ru-RU" sz="3600" dirty="0"/>
+              <a:t>Ухудшение произошло на отметке в 600 запросов в секунду.</a:t>
+            </a:r>
+          </a:p>
+          <a:p>
+            <a:pPr>
+              <a:lnSpc>
+                <a:spcPct val="150000"/>
+              </a:lnSpc>
+            </a:pPr>
+            <a:r>
+              <a:rPr lang="ru-RU" sz="3600" dirty="0"/>
+              <a:t>Расходуемый ресурс – процессорные ядра.</a:t>
+            </a:r>
+          </a:p>
+        </p:txBody>
+      </p:sp>
     </p:spTree>
     <p:extLst>
       <p:ext uri="{BB962C8B-B14F-4D97-AF65-F5344CB8AC3E}">
-        <p14:creationId xmlns:p14="http://schemas.microsoft.com/office/powerpoint/2010/main" val="1452243063"/>
+        <p14:creationId xmlns:p14="http://schemas.microsoft.com/office/powerpoint/2010/main" val="2510601469"/>
       </p:ext>
     </p:extLst>
   </p:cSld>
@@ -6930,7 +6030,7 @@
 </p:sld>
 </file>
 
-<file path=ppt/slides/slide23.xml><?xml version="1.0" encoding="utf-8"?>
+<file path=ppt/slides/slide6.xml><?xml version="1.0" encoding="utf-8"?>
 <p:sld xmlns:a="http://schemas.openxmlformats.org/drawingml/2006/main" xmlns:r="http://schemas.openxmlformats.org/officeDocument/2006/relationships" xmlns:p="http://schemas.openxmlformats.org/presentationml/2006/main">
   <p:cSld>
     <p:spTree>
@@ -7092,8 +6192,8 @@
         </p:nvSpPr>
         <p:spPr>
           <a:xfrm>
-            <a:off x="986118" y="1045098"/>
-            <a:ext cx="7304307" cy="707886"/>
+            <a:off x="986118" y="1102408"/>
+            <a:ext cx="4739887" cy="707886"/>
           </a:xfrm>
           <a:prstGeom prst="rect">
             <a:avLst/>
@@ -7115,7 +6215,7 @@
                 <a:ea typeface="+mj-ea"/>
                 <a:cs typeface="Arial" panose="020B0604020202020204" pitchFamily="34" charset="0"/>
               </a:rPr>
-              <a:t>Среднее время ответа (</a:t>
+              <a:t>Потребление </a:t>
             </a:r>
             <a:r>
               <a:rPr lang="en-US" sz="4000" b="1" dirty="0">
@@ -7126,7 +6226,7 @@
                 <a:ea typeface="+mj-ea"/>
                 <a:cs typeface="Arial" panose="020B0604020202020204" pitchFamily="34" charset="0"/>
               </a:rPr>
-              <a:t>P95)</a:t>
+              <a:t>CPU</a:t>
             </a:r>
             <a:endParaRPr lang="ru-RU" sz="4000" b="1" dirty="0">
               <a:solidFill>
@@ -7141,10 +6241,10 @@
       </p:sp>
       <p:pic>
         <p:nvPicPr>
-          <p:cNvPr id="4" name="Picture 3" descr="A graph showing a green line&#10;&#10;AI-generated content may be incorrect.">
+          <p:cNvPr id="5" name="Picture 4">
             <a:extLst>
               <a:ext uri="{FF2B5EF4-FFF2-40B4-BE49-F238E27FC236}">
-                <a16:creationId xmlns:a16="http://schemas.microsoft.com/office/drawing/2014/main" id="{D1711E5A-F273-78FA-80BD-229510236F49}"/>
+                <a16:creationId xmlns:a16="http://schemas.microsoft.com/office/drawing/2014/main" id="{CBF75324-7AFB-BA1E-1896-529FD1BF90CD}"/>
               </a:ext>
             </a:extLst>
           </p:cNvPr>
@@ -7161,8 +6261,8 @@
         </p:blipFill>
         <p:spPr>
           <a:xfrm>
-            <a:off x="794759" y="1862833"/>
-            <a:ext cx="10451506" cy="4368294"/>
+            <a:off x="465939" y="1810294"/>
+            <a:ext cx="11260121" cy="4772691"/>
           </a:xfrm>
           <a:prstGeom prst="rect">
             <a:avLst/>
@@ -7172,7 +6272,7 @@
     </p:spTree>
     <p:extLst>
       <p:ext uri="{BB962C8B-B14F-4D97-AF65-F5344CB8AC3E}">
-        <p14:creationId xmlns:p14="http://schemas.microsoft.com/office/powerpoint/2010/main" val="2373072056"/>
+        <p14:creationId xmlns:p14="http://schemas.microsoft.com/office/powerpoint/2010/main" val="3553141452"/>
       </p:ext>
     </p:extLst>
   </p:cSld>
@@ -7182,7 +6282,7 @@
 </p:sld>
 </file>
 
-<file path=ppt/slides/slide24.xml><?xml version="1.0" encoding="utf-8"?>
+<file path=ppt/slides/slide7.xml><?xml version="1.0" encoding="utf-8"?>
 <p:sld xmlns:a="http://schemas.openxmlformats.org/drawingml/2006/main" xmlns:r="http://schemas.openxmlformats.org/officeDocument/2006/relationships" xmlns:p="http://schemas.openxmlformats.org/presentationml/2006/main">
   <p:cSld>
     <p:spTree>
@@ -7344,8 +6444,8 @@
         </p:nvSpPr>
         <p:spPr>
           <a:xfrm>
-            <a:off x="986118" y="1045098"/>
-            <a:ext cx="9755491" cy="1323439"/>
+            <a:off x="986118" y="1102408"/>
+            <a:ext cx="7304307" cy="707886"/>
           </a:xfrm>
           <a:prstGeom prst="rect">
             <a:avLst/>
@@ -7367,12 +6467,10 @@
                 <a:ea typeface="+mj-ea"/>
                 <a:cs typeface="Arial" panose="020B0604020202020204" pitchFamily="34" charset="0"/>
               </a:rPr>
-              <a:t>Выводы из теса на всплеск нагрузки </a:t>
-            </a:r>
-          </a:p>
-          <a:p>
-            <a:r>
-              <a:rPr lang="ru-RU" sz="4000" b="1" dirty="0">
+              <a:t>Среднее время ответа </a:t>
+            </a:r>
+            <a:r>
+              <a:rPr lang="en-US" sz="4000" b="1" dirty="0">
                 <a:solidFill>
                   <a:srgbClr val="009218"/>
                 </a:solidFill>
@@ -7380,66 +6478,53 @@
                 <a:ea typeface="+mj-ea"/>
                 <a:cs typeface="Arial" panose="020B0604020202020204" pitchFamily="34" charset="0"/>
               </a:rPr>
-              <a:t>с возвратом к норме</a:t>
-            </a:r>
-          </a:p>
-        </p:txBody>
-      </p:sp>
-      <p:sp>
-        <p:nvSpPr>
-          <p:cNvPr id="2" name="TextBox 1">
+              <a:t>(P95)</a:t>
+            </a:r>
+            <a:endParaRPr lang="ru-RU" sz="4000" b="1" dirty="0">
+              <a:solidFill>
+                <a:srgbClr val="009218"/>
+              </a:solidFill>
+              <a:latin typeface="Arial" panose="020B0604020202020204" pitchFamily="34" charset="0"/>
+              <a:ea typeface="+mj-ea"/>
+              <a:cs typeface="Arial" panose="020B0604020202020204" pitchFamily="34" charset="0"/>
+            </a:endParaRPr>
+          </a:p>
+        </p:txBody>
+      </p:sp>
+      <p:pic>
+        <p:nvPicPr>
+          <p:cNvPr id="5" name="Picture 4">
             <a:extLst>
               <a:ext uri="{FF2B5EF4-FFF2-40B4-BE49-F238E27FC236}">
-                <a16:creationId xmlns:a16="http://schemas.microsoft.com/office/drawing/2014/main" id="{8E4D7BDB-3886-5B5B-91A5-C300957EEAC6}"/>
+                <a16:creationId xmlns:a16="http://schemas.microsoft.com/office/drawing/2014/main" id="{403C2613-69BD-952D-423A-354CCC5CA1E5}"/>
               </a:ext>
             </a:extLst>
           </p:cNvPr>
-          <p:cNvSpPr txBox="1"/>
-          <p:nvPr/>
-        </p:nvSpPr>
-        <p:spPr>
-          <a:xfrm>
-            <a:off x="986118" y="2284565"/>
-            <a:ext cx="11577709" cy="4409797"/>
+          <p:cNvPicPr>
+            <a:picLocks noChangeAspect="1"/>
+          </p:cNvPicPr>
+          <p:nvPr/>
+        </p:nvPicPr>
+        <p:blipFill>
+          <a:blip r:embed="rId5"/>
+          <a:stretch>
+            <a:fillRect/>
+          </a:stretch>
+        </p:blipFill>
+        <p:spPr>
+          <a:xfrm>
+            <a:off x="461472" y="1989893"/>
+            <a:ext cx="11495133" cy="4519526"/>
           </a:xfrm>
           <a:prstGeom prst="rect">
             <a:avLst/>
           </a:prstGeom>
-          <a:noFill/>
-        </p:spPr>
-        <p:txBody>
-          <a:bodyPr wrap="square" rtlCol="0">
-            <a:spAutoFit/>
-          </a:bodyPr>
-          <a:lstStyle/>
-          <a:p>
-            <a:pPr>
-              <a:lnSpc>
-                <a:spcPct val="150000"/>
-              </a:lnSpc>
-            </a:pPr>
-            <a:r>
-              <a:rPr lang="ru-RU" sz="4800" dirty="0"/>
-              <a:t>Троттлинг успешно отработал во время пика.</a:t>
-            </a:r>
-          </a:p>
-          <a:p>
-            <a:pPr>
-              <a:lnSpc>
-                <a:spcPct val="150000"/>
-              </a:lnSpc>
-            </a:pPr>
-            <a:r>
-              <a:rPr lang="ru-RU" sz="4800" dirty="0"/>
-              <a:t>Среднее время ответов на запросы вернулось к норме после нагрузки.</a:t>
-            </a:r>
-          </a:p>
-        </p:txBody>
-      </p:sp>
+        </p:spPr>
+      </p:pic>
     </p:spTree>
     <p:extLst>
       <p:ext uri="{BB962C8B-B14F-4D97-AF65-F5344CB8AC3E}">
-        <p14:creationId xmlns:p14="http://schemas.microsoft.com/office/powerpoint/2010/main" val="919750074"/>
+        <p14:creationId xmlns:p14="http://schemas.microsoft.com/office/powerpoint/2010/main" val="1976161335"/>
       </p:ext>
     </p:extLst>
   </p:cSld>
@@ -7449,7 +6534,7 @@
 </p:sld>
 </file>
 
-<file path=ppt/slides/slide25.xml><?xml version="1.0" encoding="utf-8"?>
+<file path=ppt/slides/slide8.xml><?xml version="1.0" encoding="utf-8"?>
 <p:sld xmlns:a="http://schemas.openxmlformats.org/drawingml/2006/main" xmlns:r="http://schemas.openxmlformats.org/officeDocument/2006/relationships" xmlns:p="http://schemas.openxmlformats.org/presentationml/2006/main">
   <p:cSld>
     <p:spTree>
@@ -7611,8 +6696,8 @@
         </p:nvSpPr>
         <p:spPr>
           <a:xfrm>
-            <a:off x="986118" y="1045098"/>
-            <a:ext cx="3290837" cy="707886"/>
+            <a:off x="986118" y="1052404"/>
+            <a:ext cx="7734361" cy="707886"/>
           </a:xfrm>
           <a:prstGeom prst="rect">
             <a:avLst/>
@@ -7634,17 +6719,17 @@
                 <a:ea typeface="+mj-ea"/>
                 <a:cs typeface="Arial" panose="020B0604020202020204" pitchFamily="34" charset="0"/>
               </a:rPr>
-              <a:t>Заключение</a:t>
-            </a:r>
-          </a:p>
-        </p:txBody>
-      </p:sp>
-      <p:sp>
-        <p:nvSpPr>
-          <p:cNvPr id="4" name="TextBox 3">
+              <a:t>Тест на настройку троттлинга</a:t>
+            </a:r>
+          </a:p>
+        </p:txBody>
+      </p:sp>
+      <p:sp>
+        <p:nvSpPr>
+          <p:cNvPr id="2" name="TextBox 1">
             <a:extLst>
               <a:ext uri="{FF2B5EF4-FFF2-40B4-BE49-F238E27FC236}">
-                <a16:creationId xmlns:a16="http://schemas.microsoft.com/office/drawing/2014/main" id="{7FFE6902-2E26-D124-79AC-047C7DC9C5E6}"/>
+                <a16:creationId xmlns:a16="http://schemas.microsoft.com/office/drawing/2014/main" id="{04720E77-25EF-C994-F7D5-E6086DE72C3B}"/>
               </a:ext>
             </a:extLst>
           </p:cNvPr>
@@ -7653,8 +6738,8 @@
         </p:nvSpPr>
         <p:spPr>
           <a:xfrm>
-            <a:off x="1051132" y="2019861"/>
-            <a:ext cx="10767701" cy="3903504"/>
+            <a:off x="986118" y="2034473"/>
+            <a:ext cx="11778577" cy="4234685"/>
           </a:xfrm>
           <a:prstGeom prst="rect">
             <a:avLst/>
@@ -7667,50 +6752,68 @@
           </a:bodyPr>
           <a:lstStyle/>
           <a:p>
-            <a:pPr marL="285750" indent="-285750">
+            <a:pPr>
               <a:lnSpc>
                 <a:spcPct val="150000"/>
               </a:lnSpc>
-              <a:buFont typeface="Arial" panose="020B0604020202020204" pitchFamily="34" charset="0"/>
-              <a:buChar char="•"/>
             </a:pPr>
             <a:r>
               <a:rPr lang="ru-RU" sz="2800" dirty="0"/>
-              <a:t>Определены критерии соответствия сервиса минимальным требованиям для нагрузочного тестирования</a:t>
-            </a:r>
-          </a:p>
-          <a:p>
-            <a:pPr marL="285750" indent="-285750">
+              <a:t>Выставляем первое приближение настройки емкости и проверяем, как сервис справляется </a:t>
+            </a:r>
+            <a:r>
+              <a:rPr lang="en-US" sz="2800" dirty="0"/>
+              <a:t>c</a:t>
+            </a:r>
+            <a:r>
+              <a:rPr lang="ru-RU" sz="2800" dirty="0"/>
+              <a:t> нагрузкой при настроенном троттлинге.</a:t>
+            </a:r>
+          </a:p>
+          <a:p>
+            <a:pPr>
               <a:lnSpc>
                 <a:spcPct val="150000"/>
               </a:lnSpc>
-              <a:buFont typeface="Arial" panose="020B0604020202020204" pitchFamily="34" charset="0"/>
-              <a:buChar char="•"/>
             </a:pPr>
-            <a:r>
-              <a:rPr lang="ru-RU" sz="2800" dirty="0"/>
-              <a:t>Определена методика тестирования на разных этапах жизненного цикла сервиса</a:t>
-            </a:r>
-          </a:p>
-          <a:p>
-            <a:pPr marL="285750" indent="-285750">
+            <a:endParaRPr lang="ru-RU" sz="2800" dirty="0"/>
+          </a:p>
+          <a:p>
+            <a:pPr>
               <a:lnSpc>
                 <a:spcPct val="150000"/>
               </a:lnSpc>
-              <a:buFont typeface="Arial" panose="020B0604020202020204" pitchFamily="34" charset="0"/>
-              <a:buChar char="•"/>
             </a:pPr>
             <a:r>
               <a:rPr lang="ru-RU" sz="2800" dirty="0"/>
-              <a:t>Проведено нагрузочное тестирование конкретного сервиса, проанализированы результаты</a:t>
-            </a:r>
+              <a:t>Запросы начали отклоняться при 85% потребления ядер процессора. </a:t>
+            </a:r>
+          </a:p>
+          <a:p>
+            <a:pPr>
+              <a:lnSpc>
+                <a:spcPct val="150000"/>
+              </a:lnSpc>
+            </a:pPr>
+            <a:r>
+              <a:rPr lang="ru-RU" sz="2800" dirty="0"/>
+              <a:t>Количество успешных кодов ответа не падало при росте нагрузки.</a:t>
+            </a:r>
+          </a:p>
+          <a:p>
+            <a:pPr>
+              <a:lnSpc>
+                <a:spcPct val="150000"/>
+              </a:lnSpc>
+            </a:pPr>
+            <a:endParaRPr lang="ru-RU" sz="4400" dirty="0"/>
           </a:p>
         </p:txBody>
       </p:sp>
     </p:spTree>
     <p:extLst>
       <p:ext uri="{BB962C8B-B14F-4D97-AF65-F5344CB8AC3E}">
-        <p14:creationId xmlns:p14="http://schemas.microsoft.com/office/powerpoint/2010/main" val="502037551"/>
+        <p14:creationId xmlns:p14="http://schemas.microsoft.com/office/powerpoint/2010/main" val="2447111331"/>
       </p:ext>
     </p:extLst>
   </p:cSld>
@@ -7720,271 +6823,7 @@
 </p:sld>
 </file>
 
-<file path=ppt/slides/slide26.xml><?xml version="1.0" encoding="utf-8"?>
-<p:sld xmlns:a="http://schemas.openxmlformats.org/drawingml/2006/main" xmlns:r="http://schemas.openxmlformats.org/officeDocument/2006/relationships" xmlns:p="http://schemas.openxmlformats.org/presentationml/2006/main">
-  <p:cSld>
-    <p:spTree>
-      <p:nvGrpSpPr>
-        <p:cNvPr id="1" name=""/>
-        <p:cNvGrpSpPr/>
-        <p:nvPr/>
-      </p:nvGrpSpPr>
-      <p:grpSpPr>
-        <a:xfrm>
-          <a:off x="0" y="0"/>
-          <a:ext cx="0" cy="0"/>
-          <a:chOff x="0" y="0"/>
-          <a:chExt cx="0" cy="0"/>
-        </a:xfrm>
-      </p:grpSpPr>
-      <p:pic>
-        <p:nvPicPr>
-          <p:cNvPr id="26" name="Рисунок 25"/>
-          <p:cNvPicPr>
-            <a:picLocks noChangeAspect="1"/>
-          </p:cNvPicPr>
-          <p:nvPr/>
-        </p:nvPicPr>
-        <p:blipFill>
-          <a:blip r:embed="rId2">
-            <a:extLst>
-              <a:ext uri="{28A0092B-C50C-407E-A947-70E740481C1C}">
-                <a14:useLocalDpi xmlns:a14="http://schemas.microsoft.com/office/drawing/2010/main" val="0"/>
-              </a:ext>
-            </a:extLst>
-          </a:blip>
-          <a:stretch>
-            <a:fillRect/>
-          </a:stretch>
-        </p:blipFill>
-        <p:spPr>
-          <a:xfrm>
-            <a:off x="35327" y="-1280"/>
-            <a:ext cx="12156673" cy="6859279"/>
-          </a:xfrm>
-          <a:prstGeom prst="rect">
-            <a:avLst/>
-          </a:prstGeom>
-        </p:spPr>
-      </p:pic>
-      <p:graphicFrame>
-        <p:nvGraphicFramePr>
-          <p:cNvPr id="25" name="Объект 24"/>
-          <p:cNvGraphicFramePr>
-            <a:graphicFrameLocks noChangeAspect="1"/>
-          </p:cNvGraphicFramePr>
-          <p:nvPr/>
-        </p:nvGraphicFramePr>
-        <p:xfrm>
-          <a:off x="8309657" y="656694"/>
-          <a:ext cx="1150384" cy="505032"/>
-        </p:xfrm>
-        <a:graphic>
-          <a:graphicData uri="http://schemas.openxmlformats.org/presentationml/2006/ole">
-            <mc:AlternateContent xmlns:mc="http://schemas.openxmlformats.org/markup-compatibility/2006">
-              <mc:Choice xmlns:v="urn:schemas-microsoft-com:vml" Requires="v">
-                <p:oleObj name="CorelDRAW" r:id="rId3" imgW="3084412" imgH="1354813" progId="CorelDraw.Graphic.22">
-                  <p:embed/>
-                </p:oleObj>
-              </mc:Choice>
-              <mc:Fallback>
-                <p:oleObj name="CorelDRAW" r:id="rId3" imgW="3084412" imgH="1354813" progId="CorelDraw.Graphic.22">
-                  <p:embed/>
-                  <p:pic>
-                    <p:nvPicPr>
-                      <p:cNvPr id="25" name="Объект 24"/>
-                      <p:cNvPicPr/>
-                      <p:nvPr/>
-                    </p:nvPicPr>
-                    <p:blipFill>
-                      <a:blip r:embed="rId4"/>
-                      <a:stretch>
-                        <a:fillRect/>
-                      </a:stretch>
-                    </p:blipFill>
-                    <p:spPr>
-                      <a:xfrm>
-                        <a:off x="8309657" y="656694"/>
-                        <a:ext cx="1150384" cy="505032"/>
-                      </a:xfrm>
-                      <a:prstGeom prst="rect">
-                        <a:avLst/>
-                      </a:prstGeom>
-                    </p:spPr>
-                  </p:pic>
-                </p:oleObj>
-              </mc:Fallback>
-            </mc:AlternateContent>
-          </a:graphicData>
-        </a:graphic>
-      </p:graphicFrame>
-      <p:pic>
-        <p:nvPicPr>
-          <p:cNvPr id="23" name="Рисунок 22"/>
-          <p:cNvPicPr>
-            <a:picLocks noChangeAspect="1"/>
-          </p:cNvPicPr>
-          <p:nvPr/>
-        </p:nvPicPr>
-        <p:blipFill rotWithShape="1">
-          <a:blip r:embed="rId5" cstate="print">
-            <a:extLst>
-              <a:ext uri="{28A0092B-C50C-407E-A947-70E740481C1C}">
-                <a14:useLocalDpi xmlns:a14="http://schemas.microsoft.com/office/drawing/2010/main" val="0"/>
-              </a:ext>
-            </a:extLst>
-          </a:blip>
-          <a:srcRect l="6339" t="15450" r="6560" b="15436"/>
-          <a:stretch/>
-        </p:blipFill>
-        <p:spPr>
-          <a:xfrm>
-            <a:off x="777903" y="610623"/>
-            <a:ext cx="2193897" cy="1166729"/>
-          </a:xfrm>
-          <a:prstGeom prst="rect">
-            <a:avLst/>
-          </a:prstGeom>
-        </p:spPr>
-      </p:pic>
-      <p:sp>
-        <p:nvSpPr>
-          <p:cNvPr id="6" name="Заголовок 1"/>
-          <p:cNvSpPr txBox="1">
-            <a:spLocks/>
-          </p:cNvSpPr>
-          <p:nvPr/>
-        </p:nvSpPr>
-        <p:spPr>
-          <a:xfrm>
-            <a:off x="1374021" y="2013212"/>
-            <a:ext cx="8086020" cy="2129652"/>
-          </a:xfrm>
-          <a:prstGeom prst="rect">
-            <a:avLst/>
-          </a:prstGeom>
-        </p:spPr>
-        <p:txBody>
-          <a:bodyPr>
-            <a:noAutofit/>
-          </a:bodyPr>
-          <a:lstStyle>
-            <a:lvl1pPr algn="l" defTabSz="914400" rtl="0" eaLnBrk="1" latinLnBrk="0" hangingPunct="1">
-              <a:lnSpc>
-                <a:spcPct val="90000"/>
-              </a:lnSpc>
-              <a:spcBef>
-                <a:spcPct val="0"/>
-              </a:spcBef>
-              <a:buNone/>
-              <a:defRPr sz="4400" kern="1200">
-                <a:solidFill>
-                  <a:schemeClr val="tx1"/>
-                </a:solidFill>
-                <a:latin typeface="+mj-lt"/>
-                <a:ea typeface="+mj-ea"/>
-                <a:cs typeface="+mj-cs"/>
-              </a:defRPr>
-            </a:lvl1pPr>
-          </a:lstStyle>
-          <a:p>
-            <a:pPr>
-              <a:lnSpc>
-                <a:spcPct val="100000"/>
-              </a:lnSpc>
-            </a:pPr>
-            <a:r>
-              <a:rPr lang="ru-RU" altLang="ru-RU" sz="4000" b="1" dirty="0">
-                <a:solidFill>
-                  <a:srgbClr val="009218"/>
-                </a:solidFill>
-                <a:latin typeface="Arial" panose="020B0604020202020204" pitchFamily="34" charset="0"/>
-                <a:cs typeface="Arial" panose="020B0604020202020204" pitchFamily="34" charset="0"/>
-              </a:rPr>
-              <a:t>Спасибо за внимание!</a:t>
-            </a:r>
-          </a:p>
-        </p:txBody>
-      </p:sp>
-      <p:sp>
-        <p:nvSpPr>
-          <p:cNvPr id="7" name="Прямоугольник 6"/>
-          <p:cNvSpPr/>
-          <p:nvPr/>
-        </p:nvSpPr>
-        <p:spPr>
-          <a:xfrm>
-            <a:off x="1374021" y="3176218"/>
-            <a:ext cx="8975406" cy="1569660"/>
-          </a:xfrm>
-          <a:prstGeom prst="rect">
-            <a:avLst/>
-          </a:prstGeom>
-        </p:spPr>
-        <p:txBody>
-          <a:bodyPr wrap="none">
-            <a:spAutoFit/>
-          </a:bodyPr>
-          <a:lstStyle/>
-          <a:p>
-            <a:pPr>
-              <a:lnSpc>
-                <a:spcPct val="100000"/>
-              </a:lnSpc>
-            </a:pPr>
-            <a:r>
-              <a:rPr lang="ru-RU" altLang="ru-RU" sz="2400" dirty="0">
-                <a:latin typeface="Arial" panose="020B0604020202020204" pitchFamily="34" charset="0"/>
-                <a:cs typeface="Arial" panose="020B0604020202020204" pitchFamily="34" charset="0"/>
-              </a:rPr>
-              <a:t>Исследование производительности сервисов с применением</a:t>
-            </a:r>
-          </a:p>
-          <a:p>
-            <a:pPr>
-              <a:lnSpc>
-                <a:spcPct val="100000"/>
-              </a:lnSpc>
-            </a:pPr>
-            <a:r>
-              <a:rPr lang="ru-RU" altLang="ru-RU" sz="2400" dirty="0">
-                <a:latin typeface="Arial" panose="020B0604020202020204" pitchFamily="34" charset="0"/>
-                <a:cs typeface="Arial" panose="020B0604020202020204" pitchFamily="34" charset="0"/>
-              </a:rPr>
-              <a:t>нагрузочного тестирования</a:t>
-            </a:r>
-          </a:p>
-          <a:p>
-            <a:endParaRPr lang="ru-RU" sz="2400" dirty="0">
-              <a:latin typeface="Arial" panose="020B0604020202020204" pitchFamily="34" charset="0"/>
-              <a:cs typeface="Arial" panose="020B0604020202020204" pitchFamily="34" charset="0"/>
-            </a:endParaRPr>
-          </a:p>
-          <a:p>
-            <a:r>
-              <a:rPr lang="ru-RU" sz="2400" dirty="0">
-                <a:latin typeface="Arial" panose="020B0604020202020204" pitchFamily="34" charset="0"/>
-                <a:cs typeface="Arial" panose="020B0604020202020204" pitchFamily="34" charset="0"/>
-              </a:rPr>
-              <a:t>Горбатов А. И. МЕН-412202</a:t>
-            </a:r>
-          </a:p>
-        </p:txBody>
-      </p:sp>
-    </p:spTree>
-    <p:extLst>
-      <p:ext uri="{BB962C8B-B14F-4D97-AF65-F5344CB8AC3E}">
-        <p14:creationId xmlns:p14="http://schemas.microsoft.com/office/powerpoint/2010/main" val="3133169553"/>
-      </p:ext>
-    </p:extLst>
-  </p:cSld>
-  <p:clrMapOvr>
-    <a:masterClrMapping/>
-  </p:clrMapOvr>
-</p:sld>
-</file>
-
-<file path=ppt/slides/slide3.xml><?xml version="1.0" encoding="utf-8"?>
+<file path=ppt/slides/slide9.xml><?xml version="1.0" encoding="utf-8"?>
 <p:sld xmlns:a="http://schemas.openxmlformats.org/drawingml/2006/main" xmlns:r="http://schemas.openxmlformats.org/officeDocument/2006/relationships" xmlns:p="http://schemas.openxmlformats.org/presentationml/2006/main">
   <p:cSld>
     <p:spTree>
@@ -8134,10 +6973,10 @@
       </p:sp>
       <p:sp>
         <p:nvSpPr>
-          <p:cNvPr id="6" name="TextBox 5">
+          <p:cNvPr id="3" name="TextBox 2">
             <a:extLst>
               <a:ext uri="{FF2B5EF4-FFF2-40B4-BE49-F238E27FC236}">
-                <a16:creationId xmlns:a16="http://schemas.microsoft.com/office/drawing/2014/main" id="{D3F9E91D-0016-215E-8220-81D7BD177E46}"/>
+                <a16:creationId xmlns:a16="http://schemas.microsoft.com/office/drawing/2014/main" id="{E1B88CF4-E43E-C79B-CF97-C8EA2659C084}"/>
               </a:ext>
             </a:extLst>
           </p:cNvPr>
@@ -8146,8 +6985,8 @@
         </p:nvSpPr>
         <p:spPr>
           <a:xfrm>
-            <a:off x="986118" y="1046139"/>
-            <a:ext cx="5725994" cy="707886"/>
+            <a:off x="986118" y="1045098"/>
+            <a:ext cx="4739887" cy="707886"/>
           </a:xfrm>
           <a:prstGeom prst="rect">
             <a:avLst/>
@@ -8155,7 +6994,7 @@
           <a:noFill/>
         </p:spPr>
         <p:txBody>
-          <a:bodyPr wrap="square" rtlCol="0">
+          <a:bodyPr wrap="none" rtlCol="0">
             <a:spAutoFit/>
           </a:bodyPr>
           <a:lstStyle/>
@@ -8169,283 +7008,10 @@
                 <a:ea typeface="+mj-ea"/>
                 <a:cs typeface="Arial" panose="020B0604020202020204" pitchFamily="34" charset="0"/>
               </a:rPr>
-              <a:t>Постановка задачи</a:t>
-            </a:r>
-          </a:p>
-        </p:txBody>
-      </p:sp>
-      <p:sp>
-        <p:nvSpPr>
-          <p:cNvPr id="7" name="TextBox 6">
-            <a:extLst>
-              <a:ext uri="{FF2B5EF4-FFF2-40B4-BE49-F238E27FC236}">
-                <a16:creationId xmlns:a16="http://schemas.microsoft.com/office/drawing/2014/main" id="{7801802E-934C-DC27-ED46-BEC1C25D096D}"/>
-              </a:ext>
-            </a:extLst>
-          </p:cNvPr>
-          <p:cNvSpPr txBox="1"/>
-          <p:nvPr/>
-        </p:nvSpPr>
-        <p:spPr>
-          <a:xfrm>
-            <a:off x="986118" y="1754025"/>
-            <a:ext cx="10781440" cy="3903504"/>
-          </a:xfrm>
-          <a:prstGeom prst="rect">
-            <a:avLst/>
-          </a:prstGeom>
-          <a:noFill/>
-        </p:spPr>
-        <p:txBody>
-          <a:bodyPr wrap="square" rtlCol="0">
-            <a:spAutoFit/>
-          </a:bodyPr>
-          <a:lstStyle/>
-          <a:p>
-            <a:pPr marL="342900" indent="-342900">
-              <a:lnSpc>
-                <a:spcPct val="150000"/>
-              </a:lnSpc>
-              <a:buFont typeface="Arial" panose="020B0604020202020204" pitchFamily="34" charset="0"/>
-              <a:buChar char="•"/>
-            </a:pPr>
-            <a:r>
-              <a:rPr lang="ru-RU" sz="2800" dirty="0"/>
-              <a:t>Определение необходимых критериев сервиса для возможности корректного проведения нагрузочного тестирования</a:t>
-            </a:r>
-          </a:p>
-          <a:p>
-            <a:pPr marL="342900" lvl="0" indent="-342900">
-              <a:lnSpc>
-                <a:spcPct val="150000"/>
-              </a:lnSpc>
-              <a:buFont typeface="Arial" panose="020B0604020202020204" pitchFamily="34" charset="0"/>
-              <a:buChar char="•"/>
-            </a:pPr>
-            <a:r>
-              <a:rPr lang="ru-RU" sz="2800" dirty="0"/>
-              <a:t>Определение ключевых метрик производительности сервисов, подлежащих оценке</a:t>
-            </a:r>
-          </a:p>
-          <a:p>
-            <a:pPr marL="342900" lvl="0" indent="-342900">
-              <a:lnSpc>
-                <a:spcPct val="150000"/>
-              </a:lnSpc>
-              <a:buFont typeface="Arial" panose="020B0604020202020204" pitchFamily="34" charset="0"/>
-              <a:buChar char="•"/>
-            </a:pPr>
-            <a:r>
-              <a:rPr lang="ru-RU" sz="2800" dirty="0"/>
-              <a:t>Определение методики нагрузочного тестирования</a:t>
-            </a:r>
-          </a:p>
-          <a:p>
-            <a:pPr marL="342900" lvl="0" indent="-342900">
-              <a:lnSpc>
-                <a:spcPct val="150000"/>
-              </a:lnSpc>
-              <a:buFont typeface="Arial" panose="020B0604020202020204" pitchFamily="34" charset="0"/>
-              <a:buChar char="•"/>
-            </a:pPr>
-            <a:r>
-              <a:rPr lang="ru-RU" sz="2800" dirty="0"/>
-              <a:t>Применение методики</a:t>
-            </a:r>
-          </a:p>
-        </p:txBody>
-      </p:sp>
-    </p:spTree>
-    <p:extLst>
-      <p:ext uri="{BB962C8B-B14F-4D97-AF65-F5344CB8AC3E}">
-        <p14:creationId xmlns:p14="http://schemas.microsoft.com/office/powerpoint/2010/main" val="2246058494"/>
-      </p:ext>
-    </p:extLst>
-  </p:cSld>
-  <p:clrMapOvr>
-    <a:masterClrMapping/>
-  </p:clrMapOvr>
-</p:sld>
-</file>
-
-<file path=ppt/slides/slide4.xml><?xml version="1.0" encoding="utf-8"?>
-<p:sld xmlns:a="http://schemas.openxmlformats.org/drawingml/2006/main" xmlns:r="http://schemas.openxmlformats.org/officeDocument/2006/relationships" xmlns:p="http://schemas.openxmlformats.org/presentationml/2006/main">
-  <p:cSld>
-    <p:spTree>
-      <p:nvGrpSpPr>
-        <p:cNvPr id="1" name=""/>
-        <p:cNvGrpSpPr/>
-        <p:nvPr/>
-      </p:nvGrpSpPr>
-      <p:grpSpPr>
-        <a:xfrm>
-          <a:off x="0" y="0"/>
-          <a:ext cx="0" cy="0"/>
-          <a:chOff x="0" y="0"/>
-          <a:chExt cx="0" cy="0"/>
-        </a:xfrm>
-      </p:grpSpPr>
-      <p:graphicFrame>
-        <p:nvGraphicFramePr>
-          <p:cNvPr id="13" name="Объект 12"/>
-          <p:cNvGraphicFramePr>
-            <a:graphicFrameLocks noChangeAspect="1"/>
-          </p:cNvGraphicFramePr>
-          <p:nvPr/>
-        </p:nvGraphicFramePr>
-        <p:xfrm>
-          <a:off x="10290315" y="230614"/>
-          <a:ext cx="1282266" cy="446454"/>
-        </p:xfrm>
-        <a:graphic>
-          <a:graphicData uri="http://schemas.openxmlformats.org/presentationml/2006/ole">
-            <mc:AlternateContent xmlns:mc="http://schemas.openxmlformats.org/markup-compatibility/2006">
-              <mc:Choice xmlns:v="urn:schemas-microsoft-com:vml" Requires="v">
-                <p:oleObj name="CorelDRAW" r:id="rId2" imgW="2566457" imgH="894201" progId="CorelDraw.Graphic.22">
-                  <p:embed/>
-                </p:oleObj>
-              </mc:Choice>
-              <mc:Fallback>
-                <p:oleObj name="CorelDRAW" r:id="rId2" imgW="2566457" imgH="894201" progId="CorelDraw.Graphic.22">
-                  <p:embed/>
-                  <p:pic>
-                    <p:nvPicPr>
-                      <p:cNvPr id="13" name="Объект 12"/>
-                      <p:cNvPicPr/>
-                      <p:nvPr/>
-                    </p:nvPicPr>
-                    <p:blipFill>
-                      <a:blip r:embed="rId3"/>
-                      <a:stretch>
-                        <a:fillRect/>
-                      </a:stretch>
-                    </p:blipFill>
-                    <p:spPr>
-                      <a:xfrm>
-                        <a:off x="10290315" y="230614"/>
-                        <a:ext cx="1282266" cy="446454"/>
-                      </a:xfrm>
-                      <a:prstGeom prst="rect">
-                        <a:avLst/>
-                      </a:prstGeom>
-                    </p:spPr>
-                  </p:pic>
-                </p:oleObj>
-              </mc:Fallback>
-            </mc:AlternateContent>
-          </a:graphicData>
-        </a:graphic>
-      </p:graphicFrame>
-      <p:pic>
-        <p:nvPicPr>
-          <p:cNvPr id="11" name="Рисунок 10"/>
-          <p:cNvPicPr>
-            <a:picLocks noChangeAspect="1"/>
-          </p:cNvPicPr>
-          <p:nvPr/>
-        </p:nvPicPr>
-        <p:blipFill>
-          <a:blip r:embed="rId4" cstate="print">
-            <a:extLst>
-              <a:ext uri="{28A0092B-C50C-407E-A947-70E740481C1C}">
-                <a14:useLocalDpi xmlns:a14="http://schemas.microsoft.com/office/drawing/2010/main" val="0"/>
-              </a:ext>
-            </a:extLst>
-          </a:blip>
-          <a:stretch>
-            <a:fillRect/>
-          </a:stretch>
-        </p:blipFill>
-        <p:spPr>
-          <a:xfrm>
-            <a:off x="653795" y="230614"/>
-            <a:ext cx="1047150" cy="417085"/>
-          </a:xfrm>
-          <a:prstGeom prst="rect">
-            <a:avLst/>
-          </a:prstGeom>
-        </p:spPr>
-      </p:pic>
-      <p:sp>
-        <p:nvSpPr>
-          <p:cNvPr id="9" name="Прямоугольник 8"/>
-          <p:cNvSpPr/>
-          <p:nvPr/>
-        </p:nvSpPr>
-        <p:spPr>
-          <a:xfrm>
-            <a:off x="986118" y="756621"/>
-            <a:ext cx="10586465" cy="21600"/>
-          </a:xfrm>
-          <a:prstGeom prst="rect">
-            <a:avLst/>
-          </a:prstGeom>
-          <a:solidFill>
-            <a:srgbClr val="009218"/>
-          </a:solidFill>
-          <a:ln>
-            <a:noFill/>
-          </a:ln>
-        </p:spPr>
-        <p:style>
-          <a:lnRef idx="2">
-            <a:schemeClr val="accent1">
-              <a:shade val="50000"/>
-            </a:schemeClr>
-          </a:lnRef>
-          <a:fillRef idx="1">
-            <a:schemeClr val="accent1"/>
-          </a:fillRef>
-          <a:effectRef idx="0">
-            <a:schemeClr val="accent1"/>
-          </a:effectRef>
-          <a:fontRef idx="minor">
-            <a:schemeClr val="lt1"/>
-          </a:fontRef>
-        </p:style>
-        <p:txBody>
-          <a:bodyPr rtlCol="0" anchor="ctr"/>
-          <a:lstStyle/>
-          <a:p>
-            <a:pPr algn="ctr"/>
-            <a:endParaRPr lang="ru-RU" dirty="0">
-              <a:solidFill>
-                <a:srgbClr val="7030A0"/>
-              </a:solidFill>
-            </a:endParaRPr>
-          </a:p>
-        </p:txBody>
-      </p:sp>
-      <p:sp>
-        <p:nvSpPr>
-          <p:cNvPr id="2" name="TextBox 1">
-            <a:extLst>
-              <a:ext uri="{FF2B5EF4-FFF2-40B4-BE49-F238E27FC236}">
-                <a16:creationId xmlns:a16="http://schemas.microsoft.com/office/drawing/2014/main" id="{993DA785-2FBE-043F-ADB9-AC36C1317DCB}"/>
-              </a:ext>
-            </a:extLst>
-          </p:cNvPr>
-          <p:cNvSpPr txBox="1"/>
-          <p:nvPr/>
-        </p:nvSpPr>
-        <p:spPr>
-          <a:xfrm>
-            <a:off x="986118" y="1051133"/>
-            <a:ext cx="5799408" cy="707886"/>
-          </a:xfrm>
-          <a:prstGeom prst="rect">
-            <a:avLst/>
-          </a:prstGeom>
-          <a:noFill/>
-        </p:spPr>
-        <p:txBody>
-          <a:bodyPr wrap="none" rtlCol="0">
-            <a:spAutoFit/>
-          </a:bodyPr>
-          <a:lstStyle/>
-          <a:p>
-            <a:r>
-              <a:rPr lang="ru-RU" sz="4000" b="1" dirty="0">
+              <a:t>Потребление </a:t>
+            </a:r>
+            <a:r>
+              <a:rPr lang="en-US" sz="4000" b="1" dirty="0">
                 <a:solidFill>
                   <a:srgbClr val="009218"/>
                 </a:solidFill>
@@ -8453,1453 +7019,53 @@
                 <a:ea typeface="+mj-ea"/>
                 <a:cs typeface="Arial" panose="020B0604020202020204" pitchFamily="34" charset="0"/>
               </a:rPr>
-              <a:t>Сервис должен иметь</a:t>
-            </a:r>
-          </a:p>
-        </p:txBody>
-      </p:sp>
-      <p:sp>
-        <p:nvSpPr>
-          <p:cNvPr id="3" name="TextBox 2">
+              <a:t>CPU</a:t>
+            </a:r>
+            <a:endParaRPr lang="ru-RU" sz="4000" b="1" dirty="0">
+              <a:solidFill>
+                <a:srgbClr val="009218"/>
+              </a:solidFill>
+              <a:latin typeface="Arial" panose="020B0604020202020204" pitchFamily="34" charset="0"/>
+              <a:ea typeface="+mj-ea"/>
+              <a:cs typeface="Arial" panose="020B0604020202020204" pitchFamily="34" charset="0"/>
+            </a:endParaRPr>
+          </a:p>
+        </p:txBody>
+      </p:sp>
+      <p:pic>
+        <p:nvPicPr>
+          <p:cNvPr id="5" name="Picture 4">
             <a:extLst>
               <a:ext uri="{FF2B5EF4-FFF2-40B4-BE49-F238E27FC236}">
-                <a16:creationId xmlns:a16="http://schemas.microsoft.com/office/drawing/2014/main" id="{3BE91CD6-DE87-8CDE-0592-FDED79F520AD}"/>
+                <a16:creationId xmlns:a16="http://schemas.microsoft.com/office/drawing/2014/main" id="{29704A04-2A9B-E6BC-A7DA-791C564654D7}"/>
               </a:ext>
             </a:extLst>
           </p:cNvPr>
-          <p:cNvSpPr txBox="1"/>
-          <p:nvPr/>
-        </p:nvSpPr>
-        <p:spPr>
-          <a:xfrm>
-            <a:off x="986118" y="2146651"/>
-            <a:ext cx="10904434" cy="3301801"/>
-          </a:xfrm>
-          <a:prstGeom prst="rect">
-            <a:avLst/>
-          </a:prstGeom>
-          <a:noFill/>
-        </p:spPr>
-        <p:txBody>
-          <a:bodyPr wrap="square" rtlCol="0">
-            <a:spAutoFit/>
-          </a:bodyPr>
-          <a:lstStyle/>
-          <a:p>
-            <a:pPr marL="342900" indent="-342900">
-              <a:lnSpc>
-                <a:spcPct val="150000"/>
-              </a:lnSpc>
-              <a:buAutoNum type="arabicPeriod"/>
-            </a:pPr>
-            <a:r>
-              <a:rPr lang="ru-RU" sz="4800" dirty="0"/>
-              <a:t>Сбор метрик</a:t>
-            </a:r>
-          </a:p>
-          <a:p>
-            <a:pPr marL="342900" indent="-342900">
-              <a:lnSpc>
-                <a:spcPct val="150000"/>
-              </a:lnSpc>
-              <a:buAutoNum type="arabicPeriod"/>
-            </a:pPr>
-            <a:r>
-              <a:rPr lang="ru-RU" sz="4800" dirty="0"/>
-              <a:t>Площадку для тестирования</a:t>
-            </a:r>
-          </a:p>
-          <a:p>
-            <a:pPr marL="342900" indent="-342900">
-              <a:lnSpc>
-                <a:spcPct val="150000"/>
-              </a:lnSpc>
-              <a:buAutoNum type="arabicPeriod"/>
-            </a:pPr>
-            <a:r>
-              <a:rPr lang="ru-RU" sz="4800" dirty="0"/>
-              <a:t>Горизонтальную масштабируемость</a:t>
-            </a:r>
-          </a:p>
-        </p:txBody>
-      </p:sp>
-    </p:spTree>
-    <p:extLst>
-      <p:ext uri="{BB962C8B-B14F-4D97-AF65-F5344CB8AC3E}">
-        <p14:creationId xmlns:p14="http://schemas.microsoft.com/office/powerpoint/2010/main" val="1054220168"/>
-      </p:ext>
-    </p:extLst>
-  </p:cSld>
-  <p:clrMapOvr>
-    <a:masterClrMapping/>
-  </p:clrMapOvr>
-</p:sld>
-</file>
-
-<file path=ppt/slides/slide5.xml><?xml version="1.0" encoding="utf-8"?>
-<p:sld xmlns:a="http://schemas.openxmlformats.org/drawingml/2006/main" xmlns:r="http://schemas.openxmlformats.org/officeDocument/2006/relationships" xmlns:p="http://schemas.openxmlformats.org/presentationml/2006/main">
-  <p:cSld>
-    <p:spTree>
-      <p:nvGrpSpPr>
-        <p:cNvPr id="1" name=""/>
-        <p:cNvGrpSpPr/>
-        <p:nvPr/>
-      </p:nvGrpSpPr>
-      <p:grpSpPr>
-        <a:xfrm>
-          <a:off x="0" y="0"/>
-          <a:ext cx="0" cy="0"/>
-          <a:chOff x="0" y="0"/>
-          <a:chExt cx="0" cy="0"/>
-        </a:xfrm>
-      </p:grpSpPr>
-      <p:graphicFrame>
-        <p:nvGraphicFramePr>
-          <p:cNvPr id="13" name="Объект 12"/>
-          <p:cNvGraphicFramePr>
-            <a:graphicFrameLocks noChangeAspect="1"/>
-          </p:cNvGraphicFramePr>
-          <p:nvPr/>
-        </p:nvGraphicFramePr>
-        <p:xfrm>
-          <a:off x="10290315" y="230614"/>
-          <a:ext cx="1282266" cy="446454"/>
-        </p:xfrm>
-        <a:graphic>
-          <a:graphicData uri="http://schemas.openxmlformats.org/presentationml/2006/ole">
-            <mc:AlternateContent xmlns:mc="http://schemas.openxmlformats.org/markup-compatibility/2006">
-              <mc:Choice xmlns:v="urn:schemas-microsoft-com:vml" Requires="v">
-                <p:oleObj name="CorelDRAW" r:id="rId2" imgW="2566457" imgH="894201" progId="CorelDraw.Graphic.22">
-                  <p:embed/>
-                </p:oleObj>
-              </mc:Choice>
-              <mc:Fallback>
-                <p:oleObj name="CorelDRAW" r:id="rId2" imgW="2566457" imgH="894201" progId="CorelDraw.Graphic.22">
-                  <p:embed/>
-                  <p:pic>
-                    <p:nvPicPr>
-                      <p:cNvPr id="13" name="Объект 12"/>
-                      <p:cNvPicPr/>
-                      <p:nvPr/>
-                    </p:nvPicPr>
-                    <p:blipFill>
-                      <a:blip r:embed="rId3"/>
-                      <a:stretch>
-                        <a:fillRect/>
-                      </a:stretch>
-                    </p:blipFill>
-                    <p:spPr>
-                      <a:xfrm>
-                        <a:off x="10290315" y="230614"/>
-                        <a:ext cx="1282266" cy="446454"/>
-                      </a:xfrm>
-                      <a:prstGeom prst="rect">
-                        <a:avLst/>
-                      </a:prstGeom>
-                    </p:spPr>
-                  </p:pic>
-                </p:oleObj>
-              </mc:Fallback>
-            </mc:AlternateContent>
-          </a:graphicData>
-        </a:graphic>
-      </p:graphicFrame>
-      <p:pic>
-        <p:nvPicPr>
-          <p:cNvPr id="11" name="Рисунок 10"/>
           <p:cNvPicPr>
             <a:picLocks noChangeAspect="1"/>
           </p:cNvPicPr>
           <p:nvPr/>
         </p:nvPicPr>
         <p:blipFill>
-          <a:blip r:embed="rId4" cstate="print">
-            <a:extLst>
-              <a:ext uri="{28A0092B-C50C-407E-A947-70E740481C1C}">
-                <a14:useLocalDpi xmlns:a14="http://schemas.microsoft.com/office/drawing/2010/main" val="0"/>
-              </a:ext>
-            </a:extLst>
-          </a:blip>
+          <a:blip r:embed="rId5"/>
           <a:stretch>
             <a:fillRect/>
           </a:stretch>
         </p:blipFill>
         <p:spPr>
           <a:xfrm>
-            <a:off x="653795" y="230614"/>
-            <a:ext cx="1047150" cy="417085"/>
+            <a:off x="360316" y="1755120"/>
+            <a:ext cx="11183597" cy="4712477"/>
           </a:xfrm>
           <a:prstGeom prst="rect">
             <a:avLst/>
           </a:prstGeom>
         </p:spPr>
       </p:pic>
-      <p:sp>
-        <p:nvSpPr>
-          <p:cNvPr id="9" name="Прямоугольник 8"/>
-          <p:cNvSpPr/>
-          <p:nvPr/>
-        </p:nvSpPr>
-        <p:spPr>
-          <a:xfrm>
-            <a:off x="986118" y="756621"/>
-            <a:ext cx="10586465" cy="21600"/>
-          </a:xfrm>
-          <a:prstGeom prst="rect">
-            <a:avLst/>
-          </a:prstGeom>
-          <a:solidFill>
-            <a:srgbClr val="009218"/>
-          </a:solidFill>
-          <a:ln>
-            <a:noFill/>
-          </a:ln>
-        </p:spPr>
-        <p:style>
-          <a:lnRef idx="2">
-            <a:schemeClr val="accent1">
-              <a:shade val="50000"/>
-            </a:schemeClr>
-          </a:lnRef>
-          <a:fillRef idx="1">
-            <a:schemeClr val="accent1"/>
-          </a:fillRef>
-          <a:effectRef idx="0">
-            <a:schemeClr val="accent1"/>
-          </a:effectRef>
-          <a:fontRef idx="minor">
-            <a:schemeClr val="lt1"/>
-          </a:fontRef>
-        </p:style>
-        <p:txBody>
-          <a:bodyPr rtlCol="0" anchor="ctr"/>
-          <a:lstStyle/>
-          <a:p>
-            <a:pPr algn="ctr"/>
-            <a:endParaRPr lang="ru-RU" dirty="0">
-              <a:solidFill>
-                <a:srgbClr val="7030A0"/>
-              </a:solidFill>
-            </a:endParaRPr>
-          </a:p>
-        </p:txBody>
-      </p:sp>
-      <p:sp>
-        <p:nvSpPr>
-          <p:cNvPr id="6" name="TextBox 5">
-            <a:extLst>
-              <a:ext uri="{FF2B5EF4-FFF2-40B4-BE49-F238E27FC236}">
-                <a16:creationId xmlns:a16="http://schemas.microsoft.com/office/drawing/2014/main" id="{9DCADDA5-1D01-7914-CC0D-D7C79D315A95}"/>
-              </a:ext>
-            </a:extLst>
-          </p:cNvPr>
-          <p:cNvSpPr txBox="1"/>
-          <p:nvPr/>
-        </p:nvSpPr>
-        <p:spPr>
-          <a:xfrm>
-            <a:off x="986118" y="1102408"/>
-            <a:ext cx="7893828" cy="707886"/>
-          </a:xfrm>
-          <a:prstGeom prst="rect">
-            <a:avLst/>
-          </a:prstGeom>
-          <a:noFill/>
-        </p:spPr>
-        <p:txBody>
-          <a:bodyPr wrap="none" rtlCol="0">
-            <a:spAutoFit/>
-          </a:bodyPr>
-          <a:lstStyle/>
-          <a:p>
-            <a:r>
-              <a:rPr lang="ru-RU" sz="4000" b="1" dirty="0">
-                <a:solidFill>
-                  <a:srgbClr val="009218"/>
-                </a:solidFill>
-                <a:latin typeface="Arial" panose="020B0604020202020204" pitchFamily="34" charset="0"/>
-                <a:ea typeface="+mj-ea"/>
-                <a:cs typeface="Arial" panose="020B0604020202020204" pitchFamily="34" charset="0"/>
-              </a:rPr>
-              <a:t>Метрики производительности</a:t>
-            </a:r>
-          </a:p>
-        </p:txBody>
-      </p:sp>
-      <p:sp>
-        <p:nvSpPr>
-          <p:cNvPr id="7" name="TextBox 6">
-            <a:extLst>
-              <a:ext uri="{FF2B5EF4-FFF2-40B4-BE49-F238E27FC236}">
-                <a16:creationId xmlns:a16="http://schemas.microsoft.com/office/drawing/2014/main" id="{3870A251-873A-F76B-BE6E-055333C5B48C}"/>
-              </a:ext>
-            </a:extLst>
-          </p:cNvPr>
-          <p:cNvSpPr txBox="1"/>
-          <p:nvPr/>
-        </p:nvSpPr>
-        <p:spPr>
-          <a:xfrm>
-            <a:off x="986118" y="2146651"/>
-            <a:ext cx="10904434" cy="3690241"/>
-          </a:xfrm>
-          <a:prstGeom prst="rect">
-            <a:avLst/>
-          </a:prstGeom>
-          <a:noFill/>
-        </p:spPr>
-        <p:txBody>
-          <a:bodyPr wrap="square" rtlCol="0">
-            <a:spAutoFit/>
-          </a:bodyPr>
-          <a:lstStyle/>
-          <a:p>
-            <a:pPr marL="342900" indent="-342900">
-              <a:lnSpc>
-                <a:spcPct val="150000"/>
-              </a:lnSpc>
-              <a:buAutoNum type="arabicPeriod"/>
-            </a:pPr>
-            <a:r>
-              <a:rPr lang="ru-RU" sz="4000" dirty="0"/>
-              <a:t>Потребление </a:t>
-            </a:r>
-            <a:r>
-              <a:rPr lang="en-US" sz="4000" dirty="0"/>
-              <a:t>CPU</a:t>
-            </a:r>
-            <a:endParaRPr lang="ru-RU" sz="4000" dirty="0"/>
-          </a:p>
-          <a:p>
-            <a:pPr marL="342900" indent="-342900">
-              <a:lnSpc>
-                <a:spcPct val="150000"/>
-              </a:lnSpc>
-              <a:buAutoNum type="arabicPeriod"/>
-            </a:pPr>
-            <a:r>
-              <a:rPr lang="ru-RU" sz="4000" dirty="0"/>
-              <a:t>Потребление </a:t>
-            </a:r>
-            <a:r>
-              <a:rPr lang="en-US" sz="4000" dirty="0"/>
-              <a:t>RAM</a:t>
-            </a:r>
-            <a:endParaRPr lang="ru-RU" sz="4000" dirty="0"/>
-          </a:p>
-          <a:p>
-            <a:pPr marL="342900" indent="-342900">
-              <a:lnSpc>
-                <a:spcPct val="150000"/>
-              </a:lnSpc>
-              <a:buAutoNum type="arabicPeriod"/>
-            </a:pPr>
-            <a:r>
-              <a:rPr lang="ru-RU" sz="4000" dirty="0"/>
-              <a:t>Среднее время ответов на запросы (</a:t>
-            </a:r>
-            <a:r>
-              <a:rPr lang="en-US" sz="4000" dirty="0"/>
-              <a:t>P90-P95)</a:t>
-            </a:r>
-          </a:p>
-          <a:p>
-            <a:pPr marL="342900" indent="-342900">
-              <a:lnSpc>
-                <a:spcPct val="150000"/>
-              </a:lnSpc>
-              <a:buAutoNum type="arabicPeriod"/>
-            </a:pPr>
-            <a:r>
-              <a:rPr lang="en-US" sz="4000" dirty="0"/>
-              <a:t> </a:t>
-            </a:r>
-            <a:r>
-              <a:rPr lang="ru-RU" sz="4000" dirty="0"/>
-              <a:t>Максимальный </a:t>
-            </a:r>
-            <a:r>
-              <a:rPr lang="en-US" sz="4000" dirty="0"/>
-              <a:t>RPS</a:t>
-            </a:r>
-            <a:endParaRPr lang="ru-RU" sz="4000" dirty="0"/>
-          </a:p>
-        </p:txBody>
-      </p:sp>
     </p:spTree>
     <p:extLst>
       <p:ext uri="{BB962C8B-B14F-4D97-AF65-F5344CB8AC3E}">
-        <p14:creationId xmlns:p14="http://schemas.microsoft.com/office/powerpoint/2010/main" val="1199075697"/>
-      </p:ext>
-    </p:extLst>
-  </p:cSld>
-  <p:clrMapOvr>
-    <a:masterClrMapping/>
-  </p:clrMapOvr>
-</p:sld>
-</file>
-
-<file path=ppt/slides/slide6.xml><?xml version="1.0" encoding="utf-8"?>
-<p:sld xmlns:a="http://schemas.openxmlformats.org/drawingml/2006/main" xmlns:r="http://schemas.openxmlformats.org/officeDocument/2006/relationships" xmlns:p="http://schemas.openxmlformats.org/presentationml/2006/main">
-  <p:cSld>
-    <p:spTree>
-      <p:nvGrpSpPr>
-        <p:cNvPr id="1" name=""/>
-        <p:cNvGrpSpPr/>
-        <p:nvPr/>
-      </p:nvGrpSpPr>
-      <p:grpSpPr>
-        <a:xfrm>
-          <a:off x="0" y="0"/>
-          <a:ext cx="0" cy="0"/>
-          <a:chOff x="0" y="0"/>
-          <a:chExt cx="0" cy="0"/>
-        </a:xfrm>
-      </p:grpSpPr>
-      <p:graphicFrame>
-        <p:nvGraphicFramePr>
-          <p:cNvPr id="13" name="Объект 12"/>
-          <p:cNvGraphicFramePr>
-            <a:graphicFrameLocks noChangeAspect="1"/>
-          </p:cNvGraphicFramePr>
-          <p:nvPr/>
-        </p:nvGraphicFramePr>
-        <p:xfrm>
-          <a:off x="10290315" y="230614"/>
-          <a:ext cx="1282266" cy="446454"/>
-        </p:xfrm>
-        <a:graphic>
-          <a:graphicData uri="http://schemas.openxmlformats.org/presentationml/2006/ole">
-            <mc:AlternateContent xmlns:mc="http://schemas.openxmlformats.org/markup-compatibility/2006">
-              <mc:Choice xmlns:v="urn:schemas-microsoft-com:vml" Requires="v">
-                <p:oleObj name="CorelDRAW" r:id="rId2" imgW="2566457" imgH="894201" progId="CorelDraw.Graphic.22">
-                  <p:embed/>
-                </p:oleObj>
-              </mc:Choice>
-              <mc:Fallback>
-                <p:oleObj name="CorelDRAW" r:id="rId2" imgW="2566457" imgH="894201" progId="CorelDraw.Graphic.22">
-                  <p:embed/>
-                  <p:pic>
-                    <p:nvPicPr>
-                      <p:cNvPr id="13" name="Объект 12"/>
-                      <p:cNvPicPr/>
-                      <p:nvPr/>
-                    </p:nvPicPr>
-                    <p:blipFill>
-                      <a:blip r:embed="rId3"/>
-                      <a:stretch>
-                        <a:fillRect/>
-                      </a:stretch>
-                    </p:blipFill>
-                    <p:spPr>
-                      <a:xfrm>
-                        <a:off x="10290315" y="230614"/>
-                        <a:ext cx="1282266" cy="446454"/>
-                      </a:xfrm>
-                      <a:prstGeom prst="rect">
-                        <a:avLst/>
-                      </a:prstGeom>
-                    </p:spPr>
-                  </p:pic>
-                </p:oleObj>
-              </mc:Fallback>
-            </mc:AlternateContent>
-          </a:graphicData>
-        </a:graphic>
-      </p:graphicFrame>
-      <p:pic>
-        <p:nvPicPr>
-          <p:cNvPr id="11" name="Рисунок 10"/>
-          <p:cNvPicPr>
-            <a:picLocks noChangeAspect="1"/>
-          </p:cNvPicPr>
-          <p:nvPr/>
-        </p:nvPicPr>
-        <p:blipFill>
-          <a:blip r:embed="rId4" cstate="print">
-            <a:extLst>
-              <a:ext uri="{28A0092B-C50C-407E-A947-70E740481C1C}">
-                <a14:useLocalDpi xmlns:a14="http://schemas.microsoft.com/office/drawing/2010/main" val="0"/>
-              </a:ext>
-            </a:extLst>
-          </a:blip>
-          <a:stretch>
-            <a:fillRect/>
-          </a:stretch>
-        </p:blipFill>
-        <p:spPr>
-          <a:xfrm>
-            <a:off x="653795" y="230614"/>
-            <a:ext cx="1047150" cy="417085"/>
-          </a:xfrm>
-          <a:prstGeom prst="rect">
-            <a:avLst/>
-          </a:prstGeom>
-        </p:spPr>
-      </p:pic>
-      <p:sp>
-        <p:nvSpPr>
-          <p:cNvPr id="9" name="Прямоугольник 8"/>
-          <p:cNvSpPr/>
-          <p:nvPr/>
-        </p:nvSpPr>
-        <p:spPr>
-          <a:xfrm>
-            <a:off x="986118" y="756621"/>
-            <a:ext cx="10586465" cy="21600"/>
-          </a:xfrm>
-          <a:prstGeom prst="rect">
-            <a:avLst/>
-          </a:prstGeom>
-          <a:solidFill>
-            <a:srgbClr val="009218"/>
-          </a:solidFill>
-          <a:ln>
-            <a:noFill/>
-          </a:ln>
-        </p:spPr>
-        <p:style>
-          <a:lnRef idx="2">
-            <a:schemeClr val="accent1">
-              <a:shade val="50000"/>
-            </a:schemeClr>
-          </a:lnRef>
-          <a:fillRef idx="1">
-            <a:schemeClr val="accent1"/>
-          </a:fillRef>
-          <a:effectRef idx="0">
-            <a:schemeClr val="accent1"/>
-          </a:effectRef>
-          <a:fontRef idx="minor">
-            <a:schemeClr val="lt1"/>
-          </a:fontRef>
-        </p:style>
-        <p:txBody>
-          <a:bodyPr rtlCol="0" anchor="ctr"/>
-          <a:lstStyle/>
-          <a:p>
-            <a:pPr algn="ctr"/>
-            <a:endParaRPr lang="ru-RU" dirty="0">
-              <a:solidFill>
-                <a:srgbClr val="7030A0"/>
-              </a:solidFill>
-            </a:endParaRPr>
-          </a:p>
-        </p:txBody>
-      </p:sp>
-      <p:sp>
-        <p:nvSpPr>
-          <p:cNvPr id="3" name="TextBox 2">
-            <a:extLst>
-              <a:ext uri="{FF2B5EF4-FFF2-40B4-BE49-F238E27FC236}">
-                <a16:creationId xmlns:a16="http://schemas.microsoft.com/office/drawing/2014/main" id="{E1B88CF4-E43E-C79B-CF97-C8EA2659C084}"/>
-              </a:ext>
-            </a:extLst>
-          </p:cNvPr>
-          <p:cNvSpPr txBox="1"/>
-          <p:nvPr/>
-        </p:nvSpPr>
-        <p:spPr>
-          <a:xfrm>
-            <a:off x="986118" y="1102408"/>
-            <a:ext cx="9926564" cy="707886"/>
-          </a:xfrm>
-          <a:prstGeom prst="rect">
-            <a:avLst/>
-          </a:prstGeom>
-          <a:noFill/>
-        </p:spPr>
-        <p:txBody>
-          <a:bodyPr wrap="none" rtlCol="0">
-            <a:spAutoFit/>
-          </a:bodyPr>
-          <a:lstStyle/>
-          <a:p>
-            <a:r>
-              <a:rPr lang="ru-RU" sz="4000" b="1" dirty="0">
-                <a:solidFill>
-                  <a:srgbClr val="009218"/>
-                </a:solidFill>
-                <a:latin typeface="Arial" panose="020B0604020202020204" pitchFamily="34" charset="0"/>
-                <a:ea typeface="+mj-ea"/>
-                <a:cs typeface="Arial" panose="020B0604020202020204" pitchFamily="34" charset="0"/>
-              </a:rPr>
-              <a:t>Первичное нагрузочное тестирование</a:t>
-            </a:r>
-          </a:p>
-        </p:txBody>
-      </p:sp>
-      <p:sp>
-        <p:nvSpPr>
-          <p:cNvPr id="4" name="TextBox 3">
-            <a:extLst>
-              <a:ext uri="{FF2B5EF4-FFF2-40B4-BE49-F238E27FC236}">
-                <a16:creationId xmlns:a16="http://schemas.microsoft.com/office/drawing/2014/main" id="{5F707D2C-A174-1D3B-8496-E83A279F0E1C}"/>
-              </a:ext>
-            </a:extLst>
-          </p:cNvPr>
-          <p:cNvSpPr txBox="1"/>
-          <p:nvPr/>
-        </p:nvSpPr>
-        <p:spPr>
-          <a:xfrm>
-            <a:off x="986118" y="2134481"/>
-            <a:ext cx="10904434" cy="4448013"/>
-          </a:xfrm>
-          <a:prstGeom prst="rect">
-            <a:avLst/>
-          </a:prstGeom>
-          <a:noFill/>
-        </p:spPr>
-        <p:txBody>
-          <a:bodyPr wrap="square" rtlCol="0">
-            <a:spAutoFit/>
-          </a:bodyPr>
-          <a:lstStyle/>
-          <a:p>
-            <a:pPr>
-              <a:lnSpc>
-                <a:spcPct val="150000"/>
-              </a:lnSpc>
-            </a:pPr>
-            <a:r>
-              <a:rPr lang="ru-RU" sz="3200" dirty="0"/>
-              <a:t>Сервис еще не выпущен для пользователей или нагрузочное не проводилось.</a:t>
-            </a:r>
-          </a:p>
-          <a:p>
-            <a:pPr>
-              <a:lnSpc>
-                <a:spcPct val="150000"/>
-              </a:lnSpc>
-            </a:pPr>
-            <a:endParaRPr lang="ru-RU" sz="3200" dirty="0"/>
-          </a:p>
-          <a:p>
-            <a:pPr>
-              <a:lnSpc>
-                <a:spcPct val="150000"/>
-              </a:lnSpc>
-            </a:pPr>
-            <a:r>
-              <a:rPr lang="ru-RU" sz="3200" dirty="0"/>
-              <a:t>Подбираем настройки окружения и самого приложения, определяем базовые характеристики производительности.</a:t>
-            </a:r>
-          </a:p>
-          <a:p>
-            <a:pPr>
-              <a:lnSpc>
-                <a:spcPct val="150000"/>
-              </a:lnSpc>
-            </a:pPr>
-            <a:endParaRPr lang="ru-RU" sz="3200" dirty="0"/>
-          </a:p>
-        </p:txBody>
-      </p:sp>
-    </p:spTree>
-    <p:extLst>
-      <p:ext uri="{BB962C8B-B14F-4D97-AF65-F5344CB8AC3E}">
-        <p14:creationId xmlns:p14="http://schemas.microsoft.com/office/powerpoint/2010/main" val="2508739730"/>
-      </p:ext>
-    </p:extLst>
-  </p:cSld>
-  <p:clrMapOvr>
-    <a:masterClrMapping/>
-  </p:clrMapOvr>
-</p:sld>
-</file>
-
-<file path=ppt/slides/slide7.xml><?xml version="1.0" encoding="utf-8"?>
-<p:sld xmlns:a="http://schemas.openxmlformats.org/drawingml/2006/main" xmlns:r="http://schemas.openxmlformats.org/officeDocument/2006/relationships" xmlns:p="http://schemas.openxmlformats.org/presentationml/2006/main">
-  <p:cSld>
-    <p:spTree>
-      <p:nvGrpSpPr>
-        <p:cNvPr id="1" name=""/>
-        <p:cNvGrpSpPr/>
-        <p:nvPr/>
-      </p:nvGrpSpPr>
-      <p:grpSpPr>
-        <a:xfrm>
-          <a:off x="0" y="0"/>
-          <a:ext cx="0" cy="0"/>
-          <a:chOff x="0" y="0"/>
-          <a:chExt cx="0" cy="0"/>
-        </a:xfrm>
-      </p:grpSpPr>
-      <p:graphicFrame>
-        <p:nvGraphicFramePr>
-          <p:cNvPr id="13" name="Объект 12"/>
-          <p:cNvGraphicFramePr>
-            <a:graphicFrameLocks noChangeAspect="1"/>
-          </p:cNvGraphicFramePr>
-          <p:nvPr/>
-        </p:nvGraphicFramePr>
-        <p:xfrm>
-          <a:off x="10290315" y="230614"/>
-          <a:ext cx="1282266" cy="446454"/>
-        </p:xfrm>
-        <a:graphic>
-          <a:graphicData uri="http://schemas.openxmlformats.org/presentationml/2006/ole">
-            <mc:AlternateContent xmlns:mc="http://schemas.openxmlformats.org/markup-compatibility/2006">
-              <mc:Choice xmlns:v="urn:schemas-microsoft-com:vml" Requires="v">
-                <p:oleObj name="CorelDRAW" r:id="rId2" imgW="2566457" imgH="894201" progId="CorelDraw.Graphic.22">
-                  <p:embed/>
-                </p:oleObj>
-              </mc:Choice>
-              <mc:Fallback>
-                <p:oleObj name="CorelDRAW" r:id="rId2" imgW="2566457" imgH="894201" progId="CorelDraw.Graphic.22">
-                  <p:embed/>
-                  <p:pic>
-                    <p:nvPicPr>
-                      <p:cNvPr id="13" name="Объект 12"/>
-                      <p:cNvPicPr/>
-                      <p:nvPr/>
-                    </p:nvPicPr>
-                    <p:blipFill>
-                      <a:blip r:embed="rId3"/>
-                      <a:stretch>
-                        <a:fillRect/>
-                      </a:stretch>
-                    </p:blipFill>
-                    <p:spPr>
-                      <a:xfrm>
-                        <a:off x="10290315" y="230614"/>
-                        <a:ext cx="1282266" cy="446454"/>
-                      </a:xfrm>
-                      <a:prstGeom prst="rect">
-                        <a:avLst/>
-                      </a:prstGeom>
-                    </p:spPr>
-                  </p:pic>
-                </p:oleObj>
-              </mc:Fallback>
-            </mc:AlternateContent>
-          </a:graphicData>
-        </a:graphic>
-      </p:graphicFrame>
-      <p:pic>
-        <p:nvPicPr>
-          <p:cNvPr id="11" name="Рисунок 10"/>
-          <p:cNvPicPr>
-            <a:picLocks noChangeAspect="1"/>
-          </p:cNvPicPr>
-          <p:nvPr/>
-        </p:nvPicPr>
-        <p:blipFill>
-          <a:blip r:embed="rId4" cstate="print">
-            <a:extLst>
-              <a:ext uri="{28A0092B-C50C-407E-A947-70E740481C1C}">
-                <a14:useLocalDpi xmlns:a14="http://schemas.microsoft.com/office/drawing/2010/main" val="0"/>
-              </a:ext>
-            </a:extLst>
-          </a:blip>
-          <a:stretch>
-            <a:fillRect/>
-          </a:stretch>
-        </p:blipFill>
-        <p:spPr>
-          <a:xfrm>
-            <a:off x="653795" y="230614"/>
-            <a:ext cx="1047150" cy="417085"/>
-          </a:xfrm>
-          <a:prstGeom prst="rect">
-            <a:avLst/>
-          </a:prstGeom>
-        </p:spPr>
-      </p:pic>
-      <p:sp>
-        <p:nvSpPr>
-          <p:cNvPr id="9" name="Прямоугольник 8"/>
-          <p:cNvSpPr/>
-          <p:nvPr/>
-        </p:nvSpPr>
-        <p:spPr>
-          <a:xfrm>
-            <a:off x="986118" y="756621"/>
-            <a:ext cx="10586465" cy="21600"/>
-          </a:xfrm>
-          <a:prstGeom prst="rect">
-            <a:avLst/>
-          </a:prstGeom>
-          <a:solidFill>
-            <a:srgbClr val="009218"/>
-          </a:solidFill>
-          <a:ln>
-            <a:noFill/>
-          </a:ln>
-        </p:spPr>
-        <p:style>
-          <a:lnRef idx="2">
-            <a:schemeClr val="accent1">
-              <a:shade val="50000"/>
-            </a:schemeClr>
-          </a:lnRef>
-          <a:fillRef idx="1">
-            <a:schemeClr val="accent1"/>
-          </a:fillRef>
-          <a:effectRef idx="0">
-            <a:schemeClr val="accent1"/>
-          </a:effectRef>
-          <a:fontRef idx="minor">
-            <a:schemeClr val="lt1"/>
-          </a:fontRef>
-        </p:style>
-        <p:txBody>
-          <a:bodyPr rtlCol="0" anchor="ctr"/>
-          <a:lstStyle/>
-          <a:p>
-            <a:pPr algn="ctr"/>
-            <a:endParaRPr lang="ru-RU" dirty="0">
-              <a:solidFill>
-                <a:srgbClr val="7030A0"/>
-              </a:solidFill>
-            </a:endParaRPr>
-          </a:p>
-        </p:txBody>
-      </p:sp>
-      <p:sp>
-        <p:nvSpPr>
-          <p:cNvPr id="3" name="TextBox 2">
-            <a:extLst>
-              <a:ext uri="{FF2B5EF4-FFF2-40B4-BE49-F238E27FC236}">
-                <a16:creationId xmlns:a16="http://schemas.microsoft.com/office/drawing/2014/main" id="{E1B88CF4-E43E-C79B-CF97-C8EA2659C084}"/>
-              </a:ext>
-            </a:extLst>
-          </p:cNvPr>
-          <p:cNvSpPr txBox="1"/>
-          <p:nvPr/>
-        </p:nvSpPr>
-        <p:spPr>
-          <a:xfrm>
-            <a:off x="986118" y="1102408"/>
-            <a:ext cx="5653151" cy="707886"/>
-          </a:xfrm>
-          <a:prstGeom prst="rect">
-            <a:avLst/>
-          </a:prstGeom>
-          <a:noFill/>
-        </p:spPr>
-        <p:txBody>
-          <a:bodyPr wrap="none" rtlCol="0">
-            <a:spAutoFit/>
-          </a:bodyPr>
-          <a:lstStyle/>
-          <a:p>
-            <a:r>
-              <a:rPr lang="ru-RU" sz="4000" b="1" dirty="0">
-                <a:solidFill>
-                  <a:srgbClr val="009218"/>
-                </a:solidFill>
-                <a:latin typeface="Arial" panose="020B0604020202020204" pitchFamily="34" charset="0"/>
-                <a:ea typeface="+mj-ea"/>
-                <a:cs typeface="Arial" panose="020B0604020202020204" pitchFamily="34" charset="0"/>
-              </a:rPr>
-              <a:t>Стресс-тестирование</a:t>
-            </a:r>
-          </a:p>
-        </p:txBody>
-      </p:sp>
-      <p:sp>
-        <p:nvSpPr>
-          <p:cNvPr id="4" name="TextBox 3">
-            <a:extLst>
-              <a:ext uri="{FF2B5EF4-FFF2-40B4-BE49-F238E27FC236}">
-                <a16:creationId xmlns:a16="http://schemas.microsoft.com/office/drawing/2014/main" id="{5F707D2C-A174-1D3B-8496-E83A279F0E1C}"/>
-              </a:ext>
-            </a:extLst>
-          </p:cNvPr>
-          <p:cNvSpPr txBox="1"/>
-          <p:nvPr/>
-        </p:nvSpPr>
-        <p:spPr>
-          <a:xfrm>
-            <a:off x="986118" y="1886654"/>
-            <a:ext cx="11138522" cy="5186676"/>
-          </a:xfrm>
-          <a:prstGeom prst="rect">
-            <a:avLst/>
-          </a:prstGeom>
-          <a:noFill/>
-        </p:spPr>
-        <p:txBody>
-          <a:bodyPr wrap="square" rtlCol="0">
-            <a:spAutoFit/>
-          </a:bodyPr>
-          <a:lstStyle/>
-          <a:p>
-            <a:pPr>
-              <a:lnSpc>
-                <a:spcPct val="150000"/>
-              </a:lnSpc>
-            </a:pPr>
-            <a:r>
-              <a:rPr lang="ru-RU" sz="3200" dirty="0"/>
-              <a:t>Определяем возможность сервиса выдержать превышение запланированных нагрузок, восстановиться после пика нагрузки, работать без перезагрузок.</a:t>
-            </a:r>
-          </a:p>
-          <a:p>
-            <a:pPr>
-              <a:lnSpc>
-                <a:spcPct val="150000"/>
-              </a:lnSpc>
-            </a:pPr>
-            <a:endParaRPr lang="ru-RU" sz="3200" dirty="0"/>
-          </a:p>
-          <a:p>
-            <a:pPr>
-              <a:lnSpc>
-                <a:spcPct val="150000"/>
-              </a:lnSpc>
-            </a:pPr>
-            <a:r>
-              <a:rPr lang="ru-RU" sz="3200" dirty="0"/>
-              <a:t>Проводим тестирование всплеском нагрузки с возвратом к норме, проверяем сервис на деградацию с течением времени</a:t>
-            </a:r>
-          </a:p>
-          <a:p>
-            <a:pPr>
-              <a:lnSpc>
-                <a:spcPct val="150000"/>
-              </a:lnSpc>
-            </a:pPr>
-            <a:endParaRPr lang="ru-RU" sz="3200" dirty="0"/>
-          </a:p>
-        </p:txBody>
-      </p:sp>
-    </p:spTree>
-    <p:extLst>
-      <p:ext uri="{BB962C8B-B14F-4D97-AF65-F5344CB8AC3E}">
-        <p14:creationId xmlns:p14="http://schemas.microsoft.com/office/powerpoint/2010/main" val="1940600722"/>
-      </p:ext>
-    </p:extLst>
-  </p:cSld>
-  <p:clrMapOvr>
-    <a:masterClrMapping/>
-  </p:clrMapOvr>
-</p:sld>
-</file>
-
-<file path=ppt/slides/slide8.xml><?xml version="1.0" encoding="utf-8"?>
-<p:sld xmlns:a="http://schemas.openxmlformats.org/drawingml/2006/main" xmlns:r="http://schemas.openxmlformats.org/officeDocument/2006/relationships" xmlns:p="http://schemas.openxmlformats.org/presentationml/2006/main">
-  <p:cSld>
-    <p:spTree>
-      <p:nvGrpSpPr>
-        <p:cNvPr id="1" name=""/>
-        <p:cNvGrpSpPr/>
-        <p:nvPr/>
-      </p:nvGrpSpPr>
-      <p:grpSpPr>
-        <a:xfrm>
-          <a:off x="0" y="0"/>
-          <a:ext cx="0" cy="0"/>
-          <a:chOff x="0" y="0"/>
-          <a:chExt cx="0" cy="0"/>
-        </a:xfrm>
-      </p:grpSpPr>
-      <p:graphicFrame>
-        <p:nvGraphicFramePr>
-          <p:cNvPr id="13" name="Объект 12"/>
-          <p:cNvGraphicFramePr>
-            <a:graphicFrameLocks noChangeAspect="1"/>
-          </p:cNvGraphicFramePr>
-          <p:nvPr/>
-        </p:nvGraphicFramePr>
-        <p:xfrm>
-          <a:off x="10290315" y="230614"/>
-          <a:ext cx="1282266" cy="446454"/>
-        </p:xfrm>
-        <a:graphic>
-          <a:graphicData uri="http://schemas.openxmlformats.org/presentationml/2006/ole">
-            <mc:AlternateContent xmlns:mc="http://schemas.openxmlformats.org/markup-compatibility/2006">
-              <mc:Choice xmlns:v="urn:schemas-microsoft-com:vml" Requires="v">
-                <p:oleObj name="CorelDRAW" r:id="rId2" imgW="2566457" imgH="894201" progId="CorelDraw.Graphic.22">
-                  <p:embed/>
-                </p:oleObj>
-              </mc:Choice>
-              <mc:Fallback>
-                <p:oleObj name="CorelDRAW" r:id="rId2" imgW="2566457" imgH="894201" progId="CorelDraw.Graphic.22">
-                  <p:embed/>
-                  <p:pic>
-                    <p:nvPicPr>
-                      <p:cNvPr id="13" name="Объект 12"/>
-                      <p:cNvPicPr/>
-                      <p:nvPr/>
-                    </p:nvPicPr>
-                    <p:blipFill>
-                      <a:blip r:embed="rId3"/>
-                      <a:stretch>
-                        <a:fillRect/>
-                      </a:stretch>
-                    </p:blipFill>
-                    <p:spPr>
-                      <a:xfrm>
-                        <a:off x="10290315" y="230614"/>
-                        <a:ext cx="1282266" cy="446454"/>
-                      </a:xfrm>
-                      <a:prstGeom prst="rect">
-                        <a:avLst/>
-                      </a:prstGeom>
-                    </p:spPr>
-                  </p:pic>
-                </p:oleObj>
-              </mc:Fallback>
-            </mc:AlternateContent>
-          </a:graphicData>
-        </a:graphic>
-      </p:graphicFrame>
-      <p:pic>
-        <p:nvPicPr>
-          <p:cNvPr id="11" name="Рисунок 10"/>
-          <p:cNvPicPr>
-            <a:picLocks noChangeAspect="1"/>
-          </p:cNvPicPr>
-          <p:nvPr/>
-        </p:nvPicPr>
-        <p:blipFill>
-          <a:blip r:embed="rId4" cstate="print">
-            <a:extLst>
-              <a:ext uri="{28A0092B-C50C-407E-A947-70E740481C1C}">
-                <a14:useLocalDpi xmlns:a14="http://schemas.microsoft.com/office/drawing/2010/main" val="0"/>
-              </a:ext>
-            </a:extLst>
-          </a:blip>
-          <a:stretch>
-            <a:fillRect/>
-          </a:stretch>
-        </p:blipFill>
-        <p:spPr>
-          <a:xfrm>
-            <a:off x="653795" y="230614"/>
-            <a:ext cx="1047150" cy="417085"/>
-          </a:xfrm>
-          <a:prstGeom prst="rect">
-            <a:avLst/>
-          </a:prstGeom>
-        </p:spPr>
-      </p:pic>
-      <p:sp>
-        <p:nvSpPr>
-          <p:cNvPr id="9" name="Прямоугольник 8"/>
-          <p:cNvSpPr/>
-          <p:nvPr/>
-        </p:nvSpPr>
-        <p:spPr>
-          <a:xfrm>
-            <a:off x="986118" y="756621"/>
-            <a:ext cx="10586465" cy="21600"/>
-          </a:xfrm>
-          <a:prstGeom prst="rect">
-            <a:avLst/>
-          </a:prstGeom>
-          <a:solidFill>
-            <a:srgbClr val="009218"/>
-          </a:solidFill>
-          <a:ln>
-            <a:noFill/>
-          </a:ln>
-        </p:spPr>
-        <p:style>
-          <a:lnRef idx="2">
-            <a:schemeClr val="accent1">
-              <a:shade val="50000"/>
-            </a:schemeClr>
-          </a:lnRef>
-          <a:fillRef idx="1">
-            <a:schemeClr val="accent1"/>
-          </a:fillRef>
-          <a:effectRef idx="0">
-            <a:schemeClr val="accent1"/>
-          </a:effectRef>
-          <a:fontRef idx="minor">
-            <a:schemeClr val="lt1"/>
-          </a:fontRef>
-        </p:style>
-        <p:txBody>
-          <a:bodyPr rtlCol="0" anchor="ctr"/>
-          <a:lstStyle/>
-          <a:p>
-            <a:pPr algn="ctr"/>
-            <a:endParaRPr lang="ru-RU" dirty="0">
-              <a:solidFill>
-                <a:srgbClr val="7030A0"/>
-              </a:solidFill>
-            </a:endParaRPr>
-          </a:p>
-        </p:txBody>
-      </p:sp>
-      <p:sp>
-        <p:nvSpPr>
-          <p:cNvPr id="3" name="TextBox 2">
-            <a:extLst>
-              <a:ext uri="{FF2B5EF4-FFF2-40B4-BE49-F238E27FC236}">
-                <a16:creationId xmlns:a16="http://schemas.microsoft.com/office/drawing/2014/main" id="{E1B88CF4-E43E-C79B-CF97-C8EA2659C084}"/>
-              </a:ext>
-            </a:extLst>
-          </p:cNvPr>
-          <p:cNvSpPr txBox="1"/>
-          <p:nvPr/>
-        </p:nvSpPr>
-        <p:spPr>
-          <a:xfrm>
-            <a:off x="986118" y="1102408"/>
-            <a:ext cx="8673080" cy="707886"/>
-          </a:xfrm>
-          <a:prstGeom prst="rect">
-            <a:avLst/>
-          </a:prstGeom>
-          <a:noFill/>
-        </p:spPr>
-        <p:txBody>
-          <a:bodyPr wrap="none" rtlCol="0">
-            <a:spAutoFit/>
-          </a:bodyPr>
-          <a:lstStyle/>
-          <a:p>
-            <a:r>
-              <a:rPr lang="ru-RU" sz="4000" b="1" dirty="0">
-                <a:solidFill>
-                  <a:srgbClr val="009218"/>
-                </a:solidFill>
-                <a:latin typeface="Arial" panose="020B0604020202020204" pitchFamily="34" charset="0"/>
-                <a:ea typeface="+mj-ea"/>
-                <a:cs typeface="Arial" panose="020B0604020202020204" pitchFamily="34" charset="0"/>
-              </a:rPr>
-              <a:t>На примере конкретного сервиса</a:t>
-            </a:r>
-          </a:p>
-        </p:txBody>
-      </p:sp>
-      <p:sp>
-        <p:nvSpPr>
-          <p:cNvPr id="4" name="TextBox 3">
-            <a:extLst>
-              <a:ext uri="{FF2B5EF4-FFF2-40B4-BE49-F238E27FC236}">
-                <a16:creationId xmlns:a16="http://schemas.microsoft.com/office/drawing/2014/main" id="{5F707D2C-A174-1D3B-8496-E83A279F0E1C}"/>
-              </a:ext>
-            </a:extLst>
-          </p:cNvPr>
-          <p:cNvSpPr txBox="1"/>
-          <p:nvPr/>
-        </p:nvSpPr>
-        <p:spPr>
-          <a:xfrm>
-            <a:off x="986118" y="1946474"/>
-            <a:ext cx="11138522" cy="3709349"/>
-          </a:xfrm>
-          <a:prstGeom prst="rect">
-            <a:avLst/>
-          </a:prstGeom>
-          <a:noFill/>
-        </p:spPr>
-        <p:txBody>
-          <a:bodyPr wrap="square" rtlCol="0">
-            <a:spAutoFit/>
-          </a:bodyPr>
-          <a:lstStyle/>
-          <a:p>
-            <a:pPr>
-              <a:lnSpc>
-                <a:spcPct val="150000"/>
-              </a:lnSpc>
-            </a:pPr>
-            <a:r>
-              <a:rPr lang="ru-RU" sz="3200" dirty="0"/>
-              <a:t>Проводим первичное нагрузочное тестирование.</a:t>
-            </a:r>
-          </a:p>
-          <a:p>
-            <a:pPr>
-              <a:lnSpc>
-                <a:spcPct val="150000"/>
-              </a:lnSpc>
-            </a:pPr>
-            <a:endParaRPr lang="ru-RU" sz="3200" dirty="0"/>
-          </a:p>
-          <a:p>
-            <a:pPr>
-              <a:lnSpc>
-                <a:spcPct val="150000"/>
-              </a:lnSpc>
-            </a:pPr>
-            <a:r>
-              <a:rPr lang="ru-RU" sz="3200" dirty="0"/>
-              <a:t>Задача – определить настройки механизма троттлинга, узнать лимит производительности, проверить выживание после нагрузки.</a:t>
-            </a:r>
-          </a:p>
-        </p:txBody>
-      </p:sp>
-    </p:spTree>
-    <p:extLst>
-      <p:ext uri="{BB962C8B-B14F-4D97-AF65-F5344CB8AC3E}">
-        <p14:creationId xmlns:p14="http://schemas.microsoft.com/office/powerpoint/2010/main" val="1878715918"/>
-      </p:ext>
-    </p:extLst>
-  </p:cSld>
-  <p:clrMapOvr>
-    <a:masterClrMapping/>
-  </p:clrMapOvr>
-</p:sld>
-</file>
-
-<file path=ppt/slides/slide9.xml><?xml version="1.0" encoding="utf-8"?>
-<p:sld xmlns:a="http://schemas.openxmlformats.org/drawingml/2006/main" xmlns:r="http://schemas.openxmlformats.org/officeDocument/2006/relationships" xmlns:p="http://schemas.openxmlformats.org/presentationml/2006/main">
-  <p:cSld>
-    <p:spTree>
-      <p:nvGrpSpPr>
-        <p:cNvPr id="1" name=""/>
-        <p:cNvGrpSpPr/>
-        <p:nvPr/>
-      </p:nvGrpSpPr>
-      <p:grpSpPr>
-        <a:xfrm>
-          <a:off x="0" y="0"/>
-          <a:ext cx="0" cy="0"/>
-          <a:chOff x="0" y="0"/>
-          <a:chExt cx="0" cy="0"/>
-        </a:xfrm>
-      </p:grpSpPr>
-      <p:graphicFrame>
-        <p:nvGraphicFramePr>
-          <p:cNvPr id="13" name="Объект 12"/>
-          <p:cNvGraphicFramePr>
-            <a:graphicFrameLocks noChangeAspect="1"/>
-          </p:cNvGraphicFramePr>
-          <p:nvPr/>
-        </p:nvGraphicFramePr>
-        <p:xfrm>
-          <a:off x="10290315" y="230614"/>
-          <a:ext cx="1282266" cy="446454"/>
-        </p:xfrm>
-        <a:graphic>
-          <a:graphicData uri="http://schemas.openxmlformats.org/presentationml/2006/ole">
-            <mc:AlternateContent xmlns:mc="http://schemas.openxmlformats.org/markup-compatibility/2006">
-              <mc:Choice xmlns:v="urn:schemas-microsoft-com:vml" Requires="v">
-                <p:oleObj name="CorelDRAW" r:id="rId2" imgW="2566457" imgH="894201" progId="CorelDraw.Graphic.22">
-                  <p:embed/>
-                </p:oleObj>
-              </mc:Choice>
-              <mc:Fallback>
-                <p:oleObj name="CorelDRAW" r:id="rId2" imgW="2566457" imgH="894201" progId="CorelDraw.Graphic.22">
-                  <p:embed/>
-                  <p:pic>
-                    <p:nvPicPr>
-                      <p:cNvPr id="13" name="Объект 12"/>
-                      <p:cNvPicPr/>
-                      <p:nvPr/>
-                    </p:nvPicPr>
-                    <p:blipFill>
-                      <a:blip r:embed="rId3"/>
-                      <a:stretch>
-                        <a:fillRect/>
-                      </a:stretch>
-                    </p:blipFill>
-                    <p:spPr>
-                      <a:xfrm>
-                        <a:off x="10290315" y="230614"/>
-                        <a:ext cx="1282266" cy="446454"/>
-                      </a:xfrm>
-                      <a:prstGeom prst="rect">
-                        <a:avLst/>
-                      </a:prstGeom>
-                    </p:spPr>
-                  </p:pic>
-                </p:oleObj>
-              </mc:Fallback>
-            </mc:AlternateContent>
-          </a:graphicData>
-        </a:graphic>
-      </p:graphicFrame>
-      <p:pic>
-        <p:nvPicPr>
-          <p:cNvPr id="11" name="Рисунок 10"/>
-          <p:cNvPicPr>
-            <a:picLocks noChangeAspect="1"/>
-          </p:cNvPicPr>
-          <p:nvPr/>
-        </p:nvPicPr>
-        <p:blipFill>
-          <a:blip r:embed="rId4" cstate="print">
-            <a:extLst>
-              <a:ext uri="{28A0092B-C50C-407E-A947-70E740481C1C}">
-                <a14:useLocalDpi xmlns:a14="http://schemas.microsoft.com/office/drawing/2010/main" val="0"/>
-              </a:ext>
-            </a:extLst>
-          </a:blip>
-          <a:stretch>
-            <a:fillRect/>
-          </a:stretch>
-        </p:blipFill>
-        <p:spPr>
-          <a:xfrm>
-            <a:off x="653795" y="230614"/>
-            <a:ext cx="1047150" cy="417085"/>
-          </a:xfrm>
-          <a:prstGeom prst="rect">
-            <a:avLst/>
-          </a:prstGeom>
-        </p:spPr>
-      </p:pic>
-      <p:sp>
-        <p:nvSpPr>
-          <p:cNvPr id="9" name="Прямоугольник 8"/>
-          <p:cNvSpPr/>
-          <p:nvPr/>
-        </p:nvSpPr>
-        <p:spPr>
-          <a:xfrm>
-            <a:off x="986118" y="756621"/>
-            <a:ext cx="10586465" cy="21600"/>
-          </a:xfrm>
-          <a:prstGeom prst="rect">
-            <a:avLst/>
-          </a:prstGeom>
-          <a:solidFill>
-            <a:srgbClr val="009218"/>
-          </a:solidFill>
-          <a:ln>
-            <a:noFill/>
-          </a:ln>
-        </p:spPr>
-        <p:style>
-          <a:lnRef idx="2">
-            <a:schemeClr val="accent1">
-              <a:shade val="50000"/>
-            </a:schemeClr>
-          </a:lnRef>
-          <a:fillRef idx="1">
-            <a:schemeClr val="accent1"/>
-          </a:fillRef>
-          <a:effectRef idx="0">
-            <a:schemeClr val="accent1"/>
-          </a:effectRef>
-          <a:fontRef idx="minor">
-            <a:schemeClr val="lt1"/>
-          </a:fontRef>
-        </p:style>
-        <p:txBody>
-          <a:bodyPr rtlCol="0" anchor="ctr"/>
-          <a:lstStyle/>
-          <a:p>
-            <a:pPr algn="ctr"/>
-            <a:endParaRPr lang="ru-RU" dirty="0">
-              <a:solidFill>
-                <a:srgbClr val="7030A0"/>
-              </a:solidFill>
-            </a:endParaRPr>
-          </a:p>
-        </p:txBody>
-      </p:sp>
-      <p:sp>
-        <p:nvSpPr>
-          <p:cNvPr id="3" name="TextBox 2">
-            <a:extLst>
-              <a:ext uri="{FF2B5EF4-FFF2-40B4-BE49-F238E27FC236}">
-                <a16:creationId xmlns:a16="http://schemas.microsoft.com/office/drawing/2014/main" id="{E1B88CF4-E43E-C79B-CF97-C8EA2659C084}"/>
-              </a:ext>
-            </a:extLst>
-          </p:cNvPr>
-          <p:cNvSpPr txBox="1"/>
-          <p:nvPr/>
-        </p:nvSpPr>
-        <p:spPr>
-          <a:xfrm>
-            <a:off x="986118" y="1102408"/>
-            <a:ext cx="6957097" cy="707886"/>
-          </a:xfrm>
-          <a:prstGeom prst="rect">
-            <a:avLst/>
-          </a:prstGeom>
-          <a:noFill/>
-        </p:spPr>
-        <p:txBody>
-          <a:bodyPr wrap="none" rtlCol="0">
-            <a:spAutoFit/>
-          </a:bodyPr>
-          <a:lstStyle/>
-          <a:p>
-            <a:r>
-              <a:rPr lang="ru-RU" sz="4000" b="1" dirty="0">
-                <a:solidFill>
-                  <a:srgbClr val="009218"/>
-                </a:solidFill>
-                <a:latin typeface="Arial" panose="020B0604020202020204" pitchFamily="34" charset="0"/>
-                <a:ea typeface="+mj-ea"/>
-                <a:cs typeface="Arial" panose="020B0604020202020204" pitchFamily="34" charset="0"/>
-              </a:rPr>
-              <a:t>Предварительные работы</a:t>
-            </a:r>
-          </a:p>
-        </p:txBody>
-      </p:sp>
-      <p:sp>
-        <p:nvSpPr>
-          <p:cNvPr id="2" name="TextBox 1">
-            <a:extLst>
-              <a:ext uri="{FF2B5EF4-FFF2-40B4-BE49-F238E27FC236}">
-                <a16:creationId xmlns:a16="http://schemas.microsoft.com/office/drawing/2014/main" id="{ED14D650-77E7-A278-E714-3F7376AFF23F}"/>
-              </a:ext>
-            </a:extLst>
-          </p:cNvPr>
-          <p:cNvSpPr txBox="1"/>
-          <p:nvPr/>
-        </p:nvSpPr>
-        <p:spPr>
-          <a:xfrm>
-            <a:off x="986118" y="1886654"/>
-            <a:ext cx="11138522" cy="2970685"/>
-          </a:xfrm>
-          <a:prstGeom prst="rect">
-            <a:avLst/>
-          </a:prstGeom>
-          <a:noFill/>
-        </p:spPr>
-        <p:txBody>
-          <a:bodyPr wrap="square" rtlCol="0">
-            <a:spAutoFit/>
-          </a:bodyPr>
-          <a:lstStyle/>
-          <a:p>
-            <a:pPr marL="514350" indent="-514350">
-              <a:lnSpc>
-                <a:spcPct val="150000"/>
-              </a:lnSpc>
-              <a:buAutoNum type="arabicPeriod"/>
-            </a:pPr>
-            <a:r>
-              <a:rPr lang="ru-RU" sz="3200" dirty="0"/>
-              <a:t>Проверка на соответствие требованиям: сбор метрик, площадка, масштабируемость</a:t>
-            </a:r>
-          </a:p>
-          <a:p>
-            <a:pPr marL="514350" indent="-514350">
-              <a:lnSpc>
-                <a:spcPct val="150000"/>
-              </a:lnSpc>
-              <a:buAutoNum type="arabicPeriod"/>
-            </a:pPr>
-            <a:r>
-              <a:rPr lang="ru-RU" sz="3200" dirty="0"/>
-              <a:t>Подбор профиля нагрузки</a:t>
-            </a:r>
-          </a:p>
-          <a:p>
-            <a:pPr marL="514350" indent="-514350">
-              <a:lnSpc>
-                <a:spcPct val="150000"/>
-              </a:lnSpc>
-              <a:buAutoNum type="arabicPeriod"/>
-            </a:pPr>
-            <a:r>
-              <a:rPr lang="ru-RU" sz="3200" dirty="0"/>
-              <a:t>Подготовка тестовых данных</a:t>
-            </a:r>
-          </a:p>
-        </p:txBody>
-      </p:sp>
-    </p:spTree>
-    <p:extLst>
-      <p:ext uri="{BB962C8B-B14F-4D97-AF65-F5344CB8AC3E}">
-        <p14:creationId xmlns:p14="http://schemas.microsoft.com/office/powerpoint/2010/main" val="2350424261"/>
+        <p14:creationId xmlns:p14="http://schemas.microsoft.com/office/powerpoint/2010/main" val="3674372382"/>
       </p:ext>
     </p:extLst>
   </p:cSld>

--- a/Slides.pptx
+++ b/Slides.pptx
@@ -5140,8 +5140,13 @@
             </a:pPr>
             <a:r>
               <a:rPr lang="ru-RU" sz="2400" dirty="0"/>
-              <a:t>Проверка регрессии производительности после релизов</a:t>
-            </a:r>
+              <a:t>Проверка регрессии </a:t>
+            </a:r>
+            <a:r>
+              <a:rPr lang="ru-RU" sz="2400"/>
+              <a:t>производительности новых версий сервисов</a:t>
+            </a:r>
+            <a:endParaRPr lang="ru-RU" sz="2400" dirty="0"/>
           </a:p>
           <a:p>
             <a:pPr marL="342900" indent="-342900">

--- a/Slides.pptx
+++ b/Slides.pptx
@@ -5713,7 +5713,7 @@
             </a:pPr>
             <a:r>
               <a:rPr lang="ru-RU" sz="2400" dirty="0"/>
-              <a:t>Исследованы предпосылки и требования, сигнализирующие о необходимости проведения нагрузочного тестирования</a:t>
+              <a:t>Исследованы необходимые критерии, которым должен отвечать сервис. Определены метрики, по которым будет анализироваться результат тестов</a:t>
             </a:r>
           </a:p>
           <a:p>
